--- a/Outline thesis/De cuong/Kientrucdetai_26_8.pptx
+++ b/Outline thesis/De cuong/Kientrucdetai_26_8.pptx
@@ -3248,8 +3248,8 @@
         </p:nvSpPr>
         <p:spPr>
           <a:xfrm>
-            <a:off x="1828800" y="5715000"/>
-            <a:ext cx="5625258" cy="646331"/>
+            <a:off x="2209800" y="5638800"/>
+            <a:ext cx="4806188" cy="646331"/>
           </a:xfrm>
           <a:prstGeom prst="rect">
             <a:avLst/>
@@ -3262,350 +3262,185 @@
           </a:bodyPr>
           <a:lstStyle/>
           <a:p>
-            <a:pPr algn="ctr"/>
-            <a:r>
-              <a:rPr lang="en-US" b="1" dirty="0" err="1" smtClean="0">
-                <a:latin typeface="Times New Roman" pitchFamily="18" charset="0"/>
-                <a:cs typeface="Times New Roman" pitchFamily="18" charset="0"/>
-              </a:rPr>
-              <a:t>Hệ</a:t>
-            </a:r>
-            <a:r>
-              <a:rPr lang="en-US" b="1" dirty="0" smtClean="0">
-                <a:latin typeface="Times New Roman" pitchFamily="18" charset="0"/>
-                <a:cs typeface="Times New Roman" pitchFamily="18" charset="0"/>
-              </a:rPr>
+            <a:r>
+              <a:rPr lang="en-US" b="1" dirty="0" err="1" smtClean="0"/>
+              <a:t>Xây</a:t>
+            </a:r>
+            <a:r>
+              <a:rPr lang="en-US" b="1" dirty="0" smtClean="0"/>
               <a:t> </a:t>
             </a:r>
             <a:r>
-              <a:rPr lang="en-US" b="1" dirty="0" err="1" smtClean="0">
-                <a:latin typeface="Times New Roman" pitchFamily="18" charset="0"/>
-                <a:cs typeface="Times New Roman" pitchFamily="18" charset="0"/>
-              </a:rPr>
-              <a:t>thống</a:t>
-            </a:r>
-            <a:r>
-              <a:rPr lang="en-US" b="1" dirty="0" smtClean="0">
-                <a:latin typeface="Times New Roman" pitchFamily="18" charset="0"/>
-                <a:cs typeface="Times New Roman" pitchFamily="18" charset="0"/>
-              </a:rPr>
+              <a:rPr lang="en-US" b="1" dirty="0" err="1" smtClean="0"/>
+              <a:t>dựng</a:t>
+            </a:r>
+            <a:r>
+              <a:rPr lang="en-US" b="1" dirty="0" smtClean="0"/>
               <a:t> </a:t>
             </a:r>
             <a:r>
-              <a:rPr lang="en-US" b="1" dirty="0" err="1" smtClean="0">
-                <a:latin typeface="Times New Roman" pitchFamily="18" charset="0"/>
-                <a:cs typeface="Times New Roman" pitchFamily="18" charset="0"/>
-              </a:rPr>
-              <a:t>xây</a:t>
-            </a:r>
-            <a:r>
-              <a:rPr lang="en-US" b="1" dirty="0" smtClean="0">
-                <a:latin typeface="Times New Roman" pitchFamily="18" charset="0"/>
-                <a:cs typeface="Times New Roman" pitchFamily="18" charset="0"/>
-              </a:rPr>
+              <a:rPr lang="en-US" b="1" dirty="0" err="1" smtClean="0"/>
+              <a:t>dữ</a:t>
+            </a:r>
+            <a:r>
+              <a:rPr lang="en-US" b="1" dirty="0" smtClean="0"/>
               <a:t> </a:t>
             </a:r>
             <a:r>
-              <a:rPr lang="en-US" b="1" dirty="0" err="1" smtClean="0">
-                <a:latin typeface="Times New Roman" pitchFamily="18" charset="0"/>
-                <a:cs typeface="Times New Roman" pitchFamily="18" charset="0"/>
-              </a:rPr>
-              <a:t>dựng</a:t>
-            </a:r>
-            <a:r>
-              <a:rPr lang="en-US" b="1" dirty="0" smtClean="0">
-                <a:latin typeface="Times New Roman" pitchFamily="18" charset="0"/>
-                <a:cs typeface="Times New Roman" pitchFamily="18" charset="0"/>
-              </a:rPr>
+              <a:rPr lang="en-US" b="1" dirty="0" err="1" smtClean="0"/>
+              <a:t>liệu</a:t>
+            </a:r>
+            <a:r>
+              <a:rPr lang="en-US" b="1" dirty="0" smtClean="0"/>
               <a:t> </a:t>
             </a:r>
             <a:r>
-              <a:rPr lang="en-US" b="1" dirty="0" err="1" smtClean="0">
-                <a:latin typeface="Times New Roman" pitchFamily="18" charset="0"/>
-                <a:cs typeface="Times New Roman" pitchFamily="18" charset="0"/>
-              </a:rPr>
-              <a:t>cơ</a:t>
-            </a:r>
-            <a:r>
-              <a:rPr lang="en-US" b="1" dirty="0" smtClean="0">
-                <a:latin typeface="Times New Roman" pitchFamily="18" charset="0"/>
-                <a:cs typeface="Times New Roman" pitchFamily="18" charset="0"/>
-              </a:rPr>
+              <a:rPr lang="en-US" b="1" dirty="0" err="1" smtClean="0"/>
+              <a:t>chỉ</a:t>
+            </a:r>
+            <a:r>
+              <a:rPr lang="en-US" b="1" dirty="0" smtClean="0"/>
               <a:t> </a:t>
             </a:r>
             <a:r>
-              <a:rPr lang="en-US" b="1" dirty="0" err="1" smtClean="0">
-                <a:latin typeface="Times New Roman" pitchFamily="18" charset="0"/>
-                <a:cs typeface="Times New Roman" pitchFamily="18" charset="0"/>
-              </a:rPr>
-              <a:t>sở</a:t>
-            </a:r>
-            <a:r>
-              <a:rPr lang="en-US" b="1" dirty="0" smtClean="0">
-                <a:latin typeface="Times New Roman" pitchFamily="18" charset="0"/>
-                <a:cs typeface="Times New Roman" pitchFamily="18" charset="0"/>
-              </a:rPr>
+              <a:rPr lang="en-US" b="1" dirty="0" err="1" smtClean="0"/>
+              <a:t>mục</a:t>
+            </a:r>
+            <a:r>
+              <a:rPr lang="en-US" b="1" dirty="0" smtClean="0"/>
               <a:t> </a:t>
             </a:r>
             <a:r>
-              <a:rPr lang="en-US" b="1" dirty="0" err="1" smtClean="0">
-                <a:latin typeface="Times New Roman" pitchFamily="18" charset="0"/>
-                <a:cs typeface="Times New Roman" pitchFamily="18" charset="0"/>
-              </a:rPr>
-              <a:t>chỉ</a:t>
-            </a:r>
-            <a:r>
-              <a:rPr lang="en-US" b="1" dirty="0" smtClean="0">
-                <a:latin typeface="Times New Roman" pitchFamily="18" charset="0"/>
-                <a:cs typeface="Times New Roman" pitchFamily="18" charset="0"/>
-              </a:rPr>
+              <a:rPr lang="en-US" b="1" dirty="0" err="1" smtClean="0"/>
+              <a:t>các</a:t>
+            </a:r>
+            <a:r>
+              <a:rPr lang="en-US" b="1" dirty="0" smtClean="0"/>
               <a:t> </a:t>
             </a:r>
             <a:r>
-              <a:rPr lang="en-US" b="1" dirty="0" err="1" smtClean="0">
-                <a:latin typeface="Times New Roman" pitchFamily="18" charset="0"/>
-                <a:cs typeface="Times New Roman" pitchFamily="18" charset="0"/>
-              </a:rPr>
-              <a:t>mục</a:t>
-            </a:r>
-            <a:r>
-              <a:rPr lang="en-US" b="1" dirty="0" smtClean="0">
-                <a:latin typeface="Times New Roman" pitchFamily="18" charset="0"/>
-                <a:cs typeface="Times New Roman" pitchFamily="18" charset="0"/>
-              </a:rPr>
+              <a:rPr lang="en-US" b="1" dirty="0" err="1" smtClean="0"/>
+              <a:t>bài</a:t>
+            </a:r>
+            <a:r>
+              <a:rPr lang="en-US" b="1" dirty="0" smtClean="0"/>
               <a:t> </a:t>
             </a:r>
             <a:r>
-              <a:rPr lang="en-US" b="1" dirty="0" err="1" smtClean="0">
-                <a:latin typeface="Times New Roman" pitchFamily="18" charset="0"/>
-                <a:cs typeface="Times New Roman" pitchFamily="18" charset="0"/>
-              </a:rPr>
+              <a:rPr lang="en-US" b="1" dirty="0" err="1" smtClean="0"/>
+              <a:t>báo</a:t>
+            </a:r>
+            <a:r>
+              <a:rPr lang="en-US" b="1" dirty="0" smtClean="0"/>
+              <a:t> </a:t>
+            </a:r>
+            <a:r>
+              <a:rPr lang="en-US" b="1" dirty="0" err="1" smtClean="0"/>
+              <a:t>khoa</a:t>
+            </a:r>
+            <a:r>
+              <a:rPr lang="en-US" b="1" dirty="0" smtClean="0"/>
+              <a:t> </a:t>
+            </a:r>
+            <a:r>
+              <a:rPr lang="en-US" b="1" dirty="0" err="1" smtClean="0"/>
+              <a:t>học</a:t>
+            </a:r>
+            <a:r>
+              <a:rPr lang="en-US" b="1" dirty="0" smtClean="0"/>
+              <a:t> </a:t>
+            </a:r>
+          </a:p>
+          <a:p>
+            <a:r>
+              <a:rPr lang="en-US" b="1" dirty="0" err="1" smtClean="0"/>
+              <a:t>được</a:t>
+            </a:r>
+            <a:r>
+              <a:rPr lang="en-US" b="1" dirty="0" smtClean="0"/>
+              <a:t> </a:t>
+            </a:r>
+            <a:r>
+              <a:rPr lang="en-US" b="1" dirty="0" err="1" smtClean="0"/>
+              <a:t>thu</a:t>
+            </a:r>
+            <a:r>
+              <a:rPr lang="en-US" b="1" dirty="0" smtClean="0"/>
+              <a:t> </a:t>
+            </a:r>
+            <a:r>
+              <a:rPr lang="en-US" b="1" dirty="0" err="1" smtClean="0"/>
+              <a:t>thập</a:t>
+            </a:r>
+            <a:r>
+              <a:rPr lang="en-US" b="1" dirty="0" smtClean="0"/>
+              <a:t> </a:t>
+            </a:r>
+            <a:r>
+              <a:rPr lang="en-US" b="1" dirty="0" err="1" smtClean="0"/>
+              <a:t>và</a:t>
+            </a:r>
+            <a:r>
+              <a:rPr lang="en-US" b="1" dirty="0" smtClean="0"/>
+              <a:t> </a:t>
+            </a:r>
+            <a:r>
+              <a:rPr lang="en-US" b="1" dirty="0" err="1" smtClean="0"/>
+              <a:t>phân</a:t>
+            </a:r>
+            <a:r>
+              <a:rPr lang="en-US" b="1" dirty="0" smtClean="0"/>
+              <a:t> </a:t>
+            </a:r>
+            <a:r>
+              <a:rPr lang="en-US" b="1" dirty="0" err="1" smtClean="0"/>
+              <a:t>loại</a:t>
+            </a:r>
+            <a:r>
+              <a:rPr lang="en-US" b="1" dirty="0" smtClean="0"/>
+              <a:t> </a:t>
+            </a:r>
+            <a:r>
+              <a:rPr lang="en-US" b="1" dirty="0" err="1" smtClean="0"/>
+              <a:t>từ</a:t>
+            </a:r>
+            <a:r>
+              <a:rPr lang="en-US" b="1" dirty="0" smtClean="0"/>
+              <a:t> </a:t>
+            </a:r>
+            <a:r>
+              <a:rPr lang="en-US" b="1" dirty="0" err="1" smtClean="0"/>
               <a:t>các</a:t>
             </a:r>
             <a:r>
-              <a:rPr lang="en-US" b="1" dirty="0" smtClean="0">
-                <a:latin typeface="Times New Roman" pitchFamily="18" charset="0"/>
-                <a:cs typeface="Times New Roman" pitchFamily="18" charset="0"/>
-              </a:rPr>
+              <a:rPr lang="en-US" b="1" dirty="0" smtClean="0"/>
               <a:t> </a:t>
             </a:r>
             <a:r>
-              <a:rPr lang="en-US" b="1" dirty="0" err="1" smtClean="0">
-                <a:latin typeface="Times New Roman" pitchFamily="18" charset="0"/>
-                <a:cs typeface="Times New Roman" pitchFamily="18" charset="0"/>
-              </a:rPr>
-              <a:t>bài</a:t>
-            </a:r>
-            <a:r>
-              <a:rPr lang="en-US" b="1" dirty="0" smtClean="0">
-                <a:latin typeface="Times New Roman" pitchFamily="18" charset="0"/>
-                <a:cs typeface="Times New Roman" pitchFamily="18" charset="0"/>
-              </a:rPr>
+              <a:rPr lang="en-US" b="1" dirty="0" err="1" smtClean="0"/>
+              <a:t>thư</a:t>
+            </a:r>
+            <a:r>
+              <a:rPr lang="en-US" b="1" dirty="0" smtClean="0"/>
               <a:t> </a:t>
             </a:r>
             <a:r>
-              <a:rPr lang="en-US" b="1" dirty="0" err="1" smtClean="0">
-                <a:latin typeface="Times New Roman" pitchFamily="18" charset="0"/>
-                <a:cs typeface="Times New Roman" pitchFamily="18" charset="0"/>
-              </a:rPr>
-              <a:t>báo</a:t>
-            </a:r>
-            <a:r>
-              <a:rPr lang="en-US" b="1" dirty="0" smtClean="0">
-                <a:latin typeface="Times New Roman" pitchFamily="18" charset="0"/>
-                <a:cs typeface="Times New Roman" pitchFamily="18" charset="0"/>
-              </a:rPr>
+              <a:rPr lang="en-US" b="1" dirty="0" err="1" smtClean="0"/>
+              <a:t>viện</a:t>
+            </a:r>
+            <a:r>
+              <a:rPr lang="en-US" b="1" dirty="0" smtClean="0"/>
               <a:t> </a:t>
             </a:r>
             <a:r>
-              <a:rPr lang="en-US" b="1" dirty="0" err="1" smtClean="0">
-                <a:latin typeface="Times New Roman" pitchFamily="18" charset="0"/>
-                <a:cs typeface="Times New Roman" pitchFamily="18" charset="0"/>
-              </a:rPr>
-              <a:t>khoa</a:t>
-            </a:r>
-            <a:r>
-              <a:rPr lang="en-US" b="1" dirty="0" smtClean="0">
-                <a:latin typeface="Times New Roman" pitchFamily="18" charset="0"/>
-                <a:cs typeface="Times New Roman" pitchFamily="18" charset="0"/>
-              </a:rPr>
-              <a:t> </a:t>
-            </a:r>
-            <a:r>
-              <a:rPr lang="en-US" b="1" dirty="0" err="1" smtClean="0">
-                <a:latin typeface="Times New Roman" pitchFamily="18" charset="0"/>
-                <a:cs typeface="Times New Roman" pitchFamily="18" charset="0"/>
-              </a:rPr>
-              <a:t>học</a:t>
-            </a:r>
-            <a:r>
-              <a:rPr lang="en-US" b="1" dirty="0" smtClean="0">
-                <a:latin typeface="Times New Roman" pitchFamily="18" charset="0"/>
-                <a:cs typeface="Times New Roman" pitchFamily="18" charset="0"/>
-              </a:rPr>
-              <a:t> </a:t>
-            </a:r>
-          </a:p>
-          <a:p>
-            <a:pPr algn="ctr"/>
-            <a:r>
-              <a:rPr lang="en-US" b="1" dirty="0" err="1" smtClean="0">
-                <a:latin typeface="Times New Roman" pitchFamily="18" charset="0"/>
-                <a:cs typeface="Times New Roman" pitchFamily="18" charset="0"/>
-              </a:rPr>
-              <a:t>Được</a:t>
-            </a:r>
-            <a:r>
-              <a:rPr lang="en-US" b="1" dirty="0" smtClean="0">
-                <a:latin typeface="Times New Roman" pitchFamily="18" charset="0"/>
-                <a:cs typeface="Times New Roman" pitchFamily="18" charset="0"/>
-              </a:rPr>
-              <a:t> </a:t>
-            </a:r>
-            <a:r>
-              <a:rPr lang="en-US" b="1" dirty="0" err="1" smtClean="0">
-                <a:latin typeface="Times New Roman" pitchFamily="18" charset="0"/>
-                <a:cs typeface="Times New Roman" pitchFamily="18" charset="0"/>
-              </a:rPr>
-              <a:t>thu</a:t>
-            </a:r>
-            <a:r>
-              <a:rPr lang="en-US" b="1" dirty="0" smtClean="0">
-                <a:latin typeface="Times New Roman" pitchFamily="18" charset="0"/>
-                <a:cs typeface="Times New Roman" pitchFamily="18" charset="0"/>
-              </a:rPr>
-              <a:t> </a:t>
-            </a:r>
-            <a:r>
-              <a:rPr lang="en-US" b="1" dirty="0" err="1" smtClean="0">
-                <a:latin typeface="Times New Roman" pitchFamily="18" charset="0"/>
-                <a:cs typeface="Times New Roman" pitchFamily="18" charset="0"/>
-              </a:rPr>
-              <a:t>thập</a:t>
-            </a:r>
-            <a:r>
-              <a:rPr lang="en-US" b="1" dirty="0" smtClean="0">
-                <a:latin typeface="Times New Roman" pitchFamily="18" charset="0"/>
-                <a:cs typeface="Times New Roman" pitchFamily="18" charset="0"/>
-              </a:rPr>
-              <a:t> </a:t>
-            </a:r>
-            <a:r>
-              <a:rPr lang="en-US" b="1" dirty="0" err="1" smtClean="0">
-                <a:latin typeface="Times New Roman" pitchFamily="18" charset="0"/>
-                <a:cs typeface="Times New Roman" pitchFamily="18" charset="0"/>
-              </a:rPr>
-              <a:t>và</a:t>
-            </a:r>
-            <a:r>
-              <a:rPr lang="en-US" b="1" dirty="0" smtClean="0">
-                <a:latin typeface="Times New Roman" pitchFamily="18" charset="0"/>
-                <a:cs typeface="Times New Roman" pitchFamily="18" charset="0"/>
-              </a:rPr>
-              <a:t> </a:t>
-            </a:r>
-            <a:r>
-              <a:rPr lang="en-US" b="1" dirty="0" err="1" smtClean="0">
-                <a:latin typeface="Times New Roman" pitchFamily="18" charset="0"/>
-                <a:cs typeface="Times New Roman" pitchFamily="18" charset="0"/>
-              </a:rPr>
-              <a:t>phân</a:t>
-            </a:r>
-            <a:r>
-              <a:rPr lang="en-US" b="1" dirty="0" smtClean="0">
-                <a:latin typeface="Times New Roman" pitchFamily="18" charset="0"/>
-                <a:cs typeface="Times New Roman" pitchFamily="18" charset="0"/>
-              </a:rPr>
-              <a:t> </a:t>
-            </a:r>
-            <a:r>
-              <a:rPr lang="en-US" b="1" dirty="0" err="1" smtClean="0">
-                <a:latin typeface="Times New Roman" pitchFamily="18" charset="0"/>
-                <a:cs typeface="Times New Roman" pitchFamily="18" charset="0"/>
-              </a:rPr>
-              <a:t>loại</a:t>
-            </a:r>
-            <a:r>
-              <a:rPr lang="en-US" b="1" dirty="0" smtClean="0">
-                <a:latin typeface="Times New Roman" pitchFamily="18" charset="0"/>
-                <a:cs typeface="Times New Roman" pitchFamily="18" charset="0"/>
-              </a:rPr>
-              <a:t> </a:t>
-            </a:r>
-            <a:r>
-              <a:rPr lang="en-US" b="1" dirty="0" err="1" smtClean="0">
-                <a:latin typeface="Times New Roman" pitchFamily="18" charset="0"/>
-                <a:cs typeface="Times New Roman" pitchFamily="18" charset="0"/>
-              </a:rPr>
-              <a:t>từ</a:t>
-            </a:r>
-            <a:r>
-              <a:rPr lang="en-US" b="1" dirty="0" smtClean="0">
-                <a:latin typeface="Times New Roman" pitchFamily="18" charset="0"/>
-                <a:cs typeface="Times New Roman" pitchFamily="18" charset="0"/>
-              </a:rPr>
-              <a:t> </a:t>
-            </a:r>
-            <a:r>
-              <a:rPr lang="en-US" b="1" dirty="0" err="1" smtClean="0">
-                <a:latin typeface="Times New Roman" pitchFamily="18" charset="0"/>
-                <a:cs typeface="Times New Roman" pitchFamily="18" charset="0"/>
-              </a:rPr>
-              <a:t>các</a:t>
-            </a:r>
-            <a:r>
-              <a:rPr lang="en-US" b="1" dirty="0" smtClean="0">
-                <a:latin typeface="Times New Roman" pitchFamily="18" charset="0"/>
-                <a:cs typeface="Times New Roman" pitchFamily="18" charset="0"/>
-              </a:rPr>
-              <a:t> </a:t>
-            </a:r>
-            <a:r>
-              <a:rPr lang="en-US" b="1" dirty="0" err="1" smtClean="0">
-                <a:latin typeface="Times New Roman" pitchFamily="18" charset="0"/>
-                <a:cs typeface="Times New Roman" pitchFamily="18" charset="0"/>
-              </a:rPr>
-              <a:t>thư</a:t>
-            </a:r>
-            <a:r>
-              <a:rPr lang="en-US" b="1" dirty="0" smtClean="0">
-                <a:latin typeface="Times New Roman" pitchFamily="18" charset="0"/>
-                <a:cs typeface="Times New Roman" pitchFamily="18" charset="0"/>
-              </a:rPr>
-              <a:t> </a:t>
-            </a:r>
-            <a:r>
-              <a:rPr lang="en-US" b="1" dirty="0" err="1" smtClean="0">
-                <a:latin typeface="Times New Roman" pitchFamily="18" charset="0"/>
-                <a:cs typeface="Times New Roman" pitchFamily="18" charset="0"/>
-              </a:rPr>
-              <a:t>viện</a:t>
-            </a:r>
-            <a:r>
-              <a:rPr lang="en-US" b="1" dirty="0" smtClean="0">
-                <a:latin typeface="Times New Roman" pitchFamily="18" charset="0"/>
-                <a:cs typeface="Times New Roman" pitchFamily="18" charset="0"/>
-              </a:rPr>
-              <a:t> </a:t>
-            </a:r>
-            <a:r>
-              <a:rPr lang="en-US" b="1" dirty="0" err="1" smtClean="0">
-                <a:latin typeface="Times New Roman" pitchFamily="18" charset="0"/>
-                <a:cs typeface="Times New Roman" pitchFamily="18" charset="0"/>
-              </a:rPr>
+              <a:rPr lang="en-US" b="1" dirty="0" err="1" smtClean="0"/>
               <a:t>số</a:t>
             </a:r>
             <a:r>
-              <a:rPr lang="en-US" b="1" dirty="0" smtClean="0">
-                <a:latin typeface="Times New Roman" pitchFamily="18" charset="0"/>
-                <a:cs typeface="Times New Roman" pitchFamily="18" charset="0"/>
-              </a:rPr>
+              <a:rPr lang="en-US" b="1" dirty="0" smtClean="0"/>
               <a:t>. </a:t>
             </a:r>
-            <a:endParaRPr lang="en-US" b="1" dirty="0">
-              <a:latin typeface="Times New Roman" pitchFamily="18" charset="0"/>
-              <a:cs typeface="Times New Roman" pitchFamily="18" charset="0"/>
-            </a:endParaRPr>
+            <a:endParaRPr lang="en-US" b="1" dirty="0"/>
           </a:p>
         </p:txBody>
       </p:sp>
@@ -4350,14 +4185,7 @@
                 <a:latin typeface="Times New Roman" pitchFamily="18" charset="0"/>
                 <a:cs typeface="Times New Roman" pitchFamily="18" charset="0"/>
               </a:rPr>
-              <a:t>(1) Module </a:t>
-            </a:r>
-            <a:r>
-              <a:rPr lang="en-US" sz="1300" b="1" dirty="0" smtClean="0">
-                <a:latin typeface="Times New Roman" pitchFamily="18" charset="0"/>
-                <a:cs typeface="Times New Roman" pitchFamily="18" charset="0"/>
-              </a:rPr>
-              <a:t>Thu </a:t>
+              <a:t>(1) Module Thu </a:t>
             </a:r>
             <a:r>
               <a:rPr lang="en-US" sz="1300" b="1" dirty="0" err="1" smtClean="0">

--- a/Outline thesis/De cuong/Kientrucdetai_26_8.pptx
+++ b/Outline thesis/De cuong/Kientrucdetai_26_8.pptx
@@ -291,7 +291,7 @@
             <a:fld id="{1D8BD707-D9CF-40AE-B4C6-C98DA3205C09}" type="datetimeFigureOut">
               <a:rPr lang="en-US" smtClean="0"/>
               <a:pPr/>
-              <a:t>8/26/2010</a:t>
+              <a:t>8/29/2010</a:t>
             </a:fld>
             <a:endParaRPr lang="en-US"/>
           </a:p>
@@ -458,7 +458,7 @@
             <a:fld id="{1D8BD707-D9CF-40AE-B4C6-C98DA3205C09}" type="datetimeFigureOut">
               <a:rPr lang="en-US" smtClean="0"/>
               <a:pPr/>
-              <a:t>8/26/2010</a:t>
+              <a:t>8/29/2010</a:t>
             </a:fld>
             <a:endParaRPr lang="en-US"/>
           </a:p>
@@ -635,7 +635,7 @@
             <a:fld id="{1D8BD707-D9CF-40AE-B4C6-C98DA3205C09}" type="datetimeFigureOut">
               <a:rPr lang="en-US" smtClean="0"/>
               <a:pPr/>
-              <a:t>8/26/2010</a:t>
+              <a:t>8/29/2010</a:t>
             </a:fld>
             <a:endParaRPr lang="en-US"/>
           </a:p>
@@ -802,7 +802,7 @@
             <a:fld id="{1D8BD707-D9CF-40AE-B4C6-C98DA3205C09}" type="datetimeFigureOut">
               <a:rPr lang="en-US" smtClean="0"/>
               <a:pPr/>
-              <a:t>8/26/2010</a:t>
+              <a:t>8/29/2010</a:t>
             </a:fld>
             <a:endParaRPr lang="en-US"/>
           </a:p>
@@ -1045,7 +1045,7 @@
             <a:fld id="{1D8BD707-D9CF-40AE-B4C6-C98DA3205C09}" type="datetimeFigureOut">
               <a:rPr lang="en-US" smtClean="0"/>
               <a:pPr/>
-              <a:t>8/26/2010</a:t>
+              <a:t>8/29/2010</a:t>
             </a:fld>
             <a:endParaRPr lang="en-US"/>
           </a:p>
@@ -1330,7 +1330,7 @@
             <a:fld id="{1D8BD707-D9CF-40AE-B4C6-C98DA3205C09}" type="datetimeFigureOut">
               <a:rPr lang="en-US" smtClean="0"/>
               <a:pPr/>
-              <a:t>8/26/2010</a:t>
+              <a:t>8/29/2010</a:t>
             </a:fld>
             <a:endParaRPr lang="en-US"/>
           </a:p>
@@ -1749,7 +1749,7 @@
             <a:fld id="{1D8BD707-D9CF-40AE-B4C6-C98DA3205C09}" type="datetimeFigureOut">
               <a:rPr lang="en-US" smtClean="0"/>
               <a:pPr/>
-              <a:t>8/26/2010</a:t>
+              <a:t>8/29/2010</a:t>
             </a:fld>
             <a:endParaRPr lang="en-US"/>
           </a:p>
@@ -1864,7 +1864,7 @@
             <a:fld id="{1D8BD707-D9CF-40AE-B4C6-C98DA3205C09}" type="datetimeFigureOut">
               <a:rPr lang="en-US" smtClean="0"/>
               <a:pPr/>
-              <a:t>8/26/2010</a:t>
+              <a:t>8/29/2010</a:t>
             </a:fld>
             <a:endParaRPr lang="en-US"/>
           </a:p>
@@ -1956,7 +1956,7 @@
             <a:fld id="{1D8BD707-D9CF-40AE-B4C6-C98DA3205C09}" type="datetimeFigureOut">
               <a:rPr lang="en-US" smtClean="0"/>
               <a:pPr/>
-              <a:t>8/26/2010</a:t>
+              <a:t>8/29/2010</a:t>
             </a:fld>
             <a:endParaRPr lang="en-US"/>
           </a:p>
@@ -2230,7 +2230,7 @@
             <a:fld id="{1D8BD707-D9CF-40AE-B4C6-C98DA3205C09}" type="datetimeFigureOut">
               <a:rPr lang="en-US" smtClean="0"/>
               <a:pPr/>
-              <a:t>8/26/2010</a:t>
+              <a:t>8/29/2010</a:t>
             </a:fld>
             <a:endParaRPr lang="en-US"/>
           </a:p>
@@ -2480,7 +2480,7 @@
             <a:fld id="{1D8BD707-D9CF-40AE-B4C6-C98DA3205C09}" type="datetimeFigureOut">
               <a:rPr lang="en-US" smtClean="0"/>
               <a:pPr/>
-              <a:t>8/26/2010</a:t>
+              <a:t>8/29/2010</a:t>
             </a:fld>
             <a:endParaRPr lang="en-US"/>
           </a:p>
@@ -2690,7 +2690,7 @@
             <a:fld id="{1D8BD707-D9CF-40AE-B4C6-C98DA3205C09}" type="datetimeFigureOut">
               <a:rPr lang="en-US" smtClean="0"/>
               <a:pPr/>
-              <a:t>8/26/2010</a:t>
+              <a:t>8/29/2010</a:t>
             </a:fld>
             <a:endParaRPr lang="en-US"/>
           </a:p>
@@ -3078,7 +3078,7 @@
         </p:blipFill>
         <p:spPr bwMode="auto">
           <a:xfrm>
-            <a:off x="0" y="2438400"/>
+            <a:off x="0" y="1295400"/>
             <a:ext cx="940098" cy="892175"/>
           </a:xfrm>
           <a:prstGeom prst="rect">
@@ -3095,8 +3095,8 @@
         </p:nvSpPr>
         <p:spPr>
           <a:xfrm>
-            <a:off x="1447800" y="2362200"/>
-            <a:ext cx="1295400" cy="1219200"/>
+            <a:off x="1295400" y="1295400"/>
+            <a:ext cx="1143000" cy="1219200"/>
           </a:xfrm>
           <a:prstGeom prst="flowChartMultidocument">
             <a:avLst/>
@@ -3158,8 +3158,8 @@
         </p:nvSpPr>
         <p:spPr>
           <a:xfrm>
-            <a:off x="3505200" y="2209800"/>
-            <a:ext cx="1524000" cy="1524000"/>
+            <a:off x="2895600" y="2819400"/>
+            <a:ext cx="1447800" cy="1295400"/>
           </a:xfrm>
           <a:prstGeom prst="flowChartMultidocument">
             <a:avLst/>
@@ -3529,7 +3529,7 @@
         </p:nvSpPr>
         <p:spPr>
           <a:xfrm>
-            <a:off x="2133600" y="1066800"/>
+            <a:off x="1981200" y="0"/>
             <a:ext cx="1981200" cy="838200"/>
           </a:xfrm>
           <a:prstGeom prst="cloud">
@@ -3632,14 +3632,15 @@
         <p:nvCxnSpPr>
           <p:cNvPr id="120" name="Elbow Connector 119"/>
           <p:cNvCxnSpPr>
+            <a:stCxn id="24" idx="1"/>
             <a:endCxn id="20" idx="0"/>
           </p:cNvCxnSpPr>
           <p:nvPr/>
         </p:nvCxnSpPr>
         <p:spPr>
           <a:xfrm rot="5400000">
-            <a:off x="2463302" y="1701301"/>
-            <a:ext cx="382217" cy="939581"/>
+            <a:off x="2229621" y="553220"/>
+            <a:ext cx="458093" cy="1026266"/>
           </a:xfrm>
           <a:prstGeom prst="bentConnector3">
             <a:avLst>
@@ -3673,8 +3674,8 @@
         </p:nvCxnSpPr>
         <p:spPr>
           <a:xfrm rot="5400000">
-            <a:off x="3695700" y="2933700"/>
-            <a:ext cx="3810000" cy="76200"/>
+            <a:off x="3390900" y="3238500"/>
+            <a:ext cx="4419600" cy="76200"/>
           </a:xfrm>
           <a:prstGeom prst="line">
             <a:avLst/>
@@ -3703,8 +3704,8 @@
         </p:nvCxnSpPr>
         <p:spPr>
           <a:xfrm rot="5400000">
-            <a:off x="4000500" y="2933700"/>
-            <a:ext cx="3810000" cy="76200"/>
+            <a:off x="3657600" y="3200400"/>
+            <a:ext cx="4419600" cy="152400"/>
           </a:xfrm>
           <a:prstGeom prst="line">
             <a:avLst/>
@@ -3733,8 +3734,8 @@
         </p:nvSpPr>
         <p:spPr>
           <a:xfrm rot="16200000">
-            <a:off x="4489966" y="2063234"/>
-            <a:ext cx="2514600" cy="369332"/>
+            <a:off x="4223266" y="2710934"/>
+            <a:ext cx="3048000" cy="369332"/>
           </a:xfrm>
           <a:prstGeom prst="rect">
             <a:avLst/>
@@ -3748,11 +3749,67 @@
           <a:lstStyle/>
           <a:p>
             <a:r>
+              <a:rPr lang="en-US" b="1" dirty="0" err="1" smtClean="0">
+                <a:latin typeface="Times New Roman" pitchFamily="18" charset="0"/>
+                <a:cs typeface="Times New Roman" pitchFamily="18" charset="0"/>
+              </a:rPr>
+              <a:t>Thông</a:t>
+            </a:r>
+            <a:r>
               <a:rPr lang="en-US" b="1" dirty="0" smtClean="0">
                 <a:latin typeface="Times New Roman" pitchFamily="18" charset="0"/>
                 <a:cs typeface="Times New Roman" pitchFamily="18" charset="0"/>
               </a:rPr>
-              <a:t>Metadata </a:t>
+              <a:t> tin </a:t>
+            </a:r>
+            <a:r>
+              <a:rPr lang="en-US" b="1" dirty="0" err="1" smtClean="0">
+                <a:latin typeface="Times New Roman" pitchFamily="18" charset="0"/>
+                <a:cs typeface="Times New Roman" pitchFamily="18" charset="0"/>
+              </a:rPr>
+              <a:t>bài</a:t>
+            </a:r>
+            <a:r>
+              <a:rPr lang="en-US" b="1" dirty="0" smtClean="0">
+                <a:latin typeface="Times New Roman" pitchFamily="18" charset="0"/>
+                <a:cs typeface="Times New Roman" pitchFamily="18" charset="0"/>
+              </a:rPr>
+              <a:t> </a:t>
+            </a:r>
+            <a:r>
+              <a:rPr lang="en-US" b="1" dirty="0" err="1" smtClean="0">
+                <a:latin typeface="Times New Roman" pitchFamily="18" charset="0"/>
+                <a:cs typeface="Times New Roman" pitchFamily="18" charset="0"/>
+              </a:rPr>
+              <a:t>báo</a:t>
+            </a:r>
+            <a:r>
+              <a:rPr lang="en-US" b="1" dirty="0" smtClean="0">
+                <a:latin typeface="Times New Roman" pitchFamily="18" charset="0"/>
+                <a:cs typeface="Times New Roman" pitchFamily="18" charset="0"/>
+              </a:rPr>
+              <a:t> </a:t>
+            </a:r>
+            <a:r>
+              <a:rPr lang="en-US" b="1" dirty="0" err="1" smtClean="0">
+                <a:latin typeface="Times New Roman" pitchFamily="18" charset="0"/>
+                <a:cs typeface="Times New Roman" pitchFamily="18" charset="0"/>
+              </a:rPr>
+              <a:t>khoa</a:t>
+            </a:r>
+            <a:r>
+              <a:rPr lang="en-US" b="1" dirty="0" smtClean="0">
+                <a:latin typeface="Times New Roman" pitchFamily="18" charset="0"/>
+                <a:cs typeface="Times New Roman" pitchFamily="18" charset="0"/>
+              </a:rPr>
+              <a:t> </a:t>
+            </a:r>
+            <a:r>
+              <a:rPr lang="en-US" b="1" dirty="0" err="1" smtClean="0">
+                <a:latin typeface="Times New Roman" pitchFamily="18" charset="0"/>
+                <a:cs typeface="Times New Roman" pitchFamily="18" charset="0"/>
+              </a:rPr>
+              <a:t>học</a:t>
             </a:r>
             <a:endParaRPr lang="en-US" b="1" dirty="0">
               <a:latin typeface="Times New Roman" pitchFamily="18" charset="0"/>
@@ -3821,7 +3878,7 @@
         </p:nvSpPr>
         <p:spPr>
           <a:xfrm>
-            <a:off x="1066800" y="2819400"/>
+            <a:off x="914400" y="1752600"/>
             <a:ext cx="381000" cy="228600"/>
           </a:xfrm>
           <a:prstGeom prst="rightArrow">
@@ -3855,14 +3912,14 @@
       </p:sp>
       <p:sp>
         <p:nvSpPr>
-          <p:cNvPr id="21" name="Right Arrow 20"/>
+          <p:cNvPr id="22" name="Right Arrow 21"/>
           <p:cNvSpPr/>
           <p:nvPr/>
         </p:nvSpPr>
         <p:spPr>
           <a:xfrm>
-            <a:off x="2743200" y="2819400"/>
-            <a:ext cx="762000" cy="228600"/>
+            <a:off x="4419600" y="1676400"/>
+            <a:ext cx="1219200" cy="228600"/>
           </a:xfrm>
           <a:prstGeom prst="rightArrow">
             <a:avLst/>
@@ -3895,14 +3952,14 @@
       </p:sp>
       <p:sp>
         <p:nvSpPr>
-          <p:cNvPr id="22" name="Right Arrow 21"/>
+          <p:cNvPr id="23" name="Right Arrow 22"/>
           <p:cNvSpPr/>
           <p:nvPr/>
         </p:nvSpPr>
         <p:spPr>
           <a:xfrm>
-            <a:off x="5105400" y="2743200"/>
-            <a:ext cx="533400" cy="228600"/>
+            <a:off x="5943600" y="2743200"/>
+            <a:ext cx="762000" cy="228600"/>
           </a:xfrm>
           <a:prstGeom prst="rightArrow">
             <a:avLst/>
@@ -3935,14 +3992,14 @@
       </p:sp>
       <p:sp>
         <p:nvSpPr>
-          <p:cNvPr id="23" name="Right Arrow 22"/>
+          <p:cNvPr id="25" name="Right Arrow 24"/>
           <p:cNvSpPr/>
           <p:nvPr/>
         </p:nvSpPr>
         <p:spPr>
-          <a:xfrm>
-            <a:off x="5943600" y="2743200"/>
-            <a:ext cx="762000" cy="228600"/>
+          <a:xfrm rot="5400000">
+            <a:off x="7010400" y="3276600"/>
+            <a:ext cx="533400" cy="228600"/>
           </a:xfrm>
           <a:prstGeom prst="rightArrow">
             <a:avLst/>
@@ -3975,16 +4032,16 @@
       </p:sp>
       <p:sp>
         <p:nvSpPr>
-          <p:cNvPr id="25" name="Right Arrow 24"/>
+          <p:cNvPr id="28" name="Rectangle 27"/>
           <p:cNvSpPr/>
           <p:nvPr/>
         </p:nvSpPr>
         <p:spPr>
-          <a:xfrm rot="5400000">
-            <a:off x="7010400" y="3276600"/>
-            <a:ext cx="533400" cy="228600"/>
-          </a:xfrm>
-          <a:prstGeom prst="rightArrow">
+          <a:xfrm>
+            <a:off x="3048000" y="1371600"/>
+            <a:ext cx="1371600" cy="685800"/>
+          </a:xfrm>
+          <a:prstGeom prst="rect">
             <a:avLst/>
           </a:prstGeom>
         </p:spPr>
@@ -4009,7 +4066,399 @@
           <a:lstStyle/>
           <a:p>
             <a:pPr algn="ctr"/>
+            <a:r>
+              <a:rPr lang="en-US" dirty="0" err="1" smtClean="0"/>
+              <a:t>Rút</a:t>
+            </a:r>
+            <a:r>
+              <a:rPr lang="en-US" dirty="0" smtClean="0"/>
+              <a:t> </a:t>
+            </a:r>
+            <a:r>
+              <a:rPr lang="en-US" dirty="0" err="1" smtClean="0"/>
+              <a:t>Trích</a:t>
+            </a:r>
+            <a:r>
+              <a:rPr lang="en-US" dirty="0" smtClean="0"/>
+              <a:t>  </a:t>
+            </a:r>
+            <a:r>
+              <a:rPr lang="en-US" dirty="0" err="1" smtClean="0"/>
+              <a:t>Dữ</a:t>
+            </a:r>
+            <a:r>
+              <a:rPr lang="en-US" dirty="0" smtClean="0"/>
+              <a:t> </a:t>
+            </a:r>
+            <a:r>
+              <a:rPr lang="en-US" dirty="0" err="1" smtClean="0"/>
+              <a:t>liệu</a:t>
+            </a:r>
+            <a:endParaRPr lang="en-US" dirty="0"/>
+          </a:p>
+        </p:txBody>
+      </p:sp>
+      <p:sp>
+        <p:nvSpPr>
+          <p:cNvPr id="29" name="Right Arrow 28"/>
+          <p:cNvSpPr/>
+          <p:nvPr/>
+        </p:nvSpPr>
+        <p:spPr>
+          <a:xfrm>
+            <a:off x="2514600" y="1752600"/>
+            <a:ext cx="533400" cy="152400"/>
+          </a:xfrm>
+          <a:prstGeom prst="rightArrow">
+            <a:avLst/>
+          </a:prstGeom>
+        </p:spPr>
+        <p:style>
+          <a:lnRef idx="2">
+            <a:schemeClr val="accent1">
+              <a:shade val="50000"/>
+            </a:schemeClr>
+          </a:lnRef>
+          <a:fillRef idx="1">
+            <a:schemeClr val="accent1"/>
+          </a:fillRef>
+          <a:effectRef idx="0">
+            <a:schemeClr val="accent1"/>
+          </a:effectRef>
+          <a:fontRef idx="minor">
+            <a:schemeClr val="lt1"/>
+          </a:fontRef>
+        </p:style>
+        <p:txBody>
+          <a:bodyPr rtlCol="0" anchor="ctr"/>
+          <a:lstStyle/>
+          <a:p>
+            <a:pPr algn="ctr"/>
             <a:endParaRPr lang="en-US"/>
+          </a:p>
+        </p:txBody>
+      </p:sp>
+      <p:sp>
+        <p:nvSpPr>
+          <p:cNvPr id="30" name="Right Arrow 29"/>
+          <p:cNvSpPr/>
+          <p:nvPr/>
+        </p:nvSpPr>
+        <p:spPr>
+          <a:xfrm rot="5400000">
+            <a:off x="3314700" y="2400300"/>
+            <a:ext cx="685800" cy="152400"/>
+          </a:xfrm>
+          <a:prstGeom prst="rightArrow">
+            <a:avLst/>
+          </a:prstGeom>
+        </p:spPr>
+        <p:style>
+          <a:lnRef idx="2">
+            <a:schemeClr val="accent1">
+              <a:shade val="50000"/>
+            </a:schemeClr>
+          </a:lnRef>
+          <a:fillRef idx="1">
+            <a:schemeClr val="accent1"/>
+          </a:fillRef>
+          <a:effectRef idx="0">
+            <a:schemeClr val="accent1"/>
+          </a:effectRef>
+          <a:fontRef idx="minor">
+            <a:schemeClr val="lt1"/>
+          </a:fontRef>
+        </p:style>
+        <p:txBody>
+          <a:bodyPr rtlCol="0" anchor="ctr"/>
+          <a:lstStyle/>
+          <a:p>
+            <a:pPr algn="ctr"/>
+            <a:endParaRPr lang="en-US"/>
+          </a:p>
+        </p:txBody>
+      </p:sp>
+      <p:sp>
+        <p:nvSpPr>
+          <p:cNvPr id="31" name="TextBox 30"/>
+          <p:cNvSpPr txBox="1"/>
+          <p:nvPr/>
+        </p:nvSpPr>
+        <p:spPr>
+          <a:xfrm>
+            <a:off x="4495800" y="1295400"/>
+            <a:ext cx="1600200" cy="369332"/>
+          </a:xfrm>
+          <a:prstGeom prst="rect">
+            <a:avLst/>
+          </a:prstGeom>
+          <a:noFill/>
+        </p:spPr>
+        <p:txBody>
+          <a:bodyPr wrap="square" rtlCol="0">
+            <a:spAutoFit/>
+          </a:bodyPr>
+          <a:lstStyle/>
+          <a:p>
+            <a:r>
+              <a:rPr lang="en-US" dirty="0" smtClean="0"/>
+              <a:t>Metadata</a:t>
+            </a:r>
+            <a:endParaRPr lang="en-US" dirty="0"/>
+          </a:p>
+        </p:txBody>
+      </p:sp>
+      <p:sp>
+        <p:nvSpPr>
+          <p:cNvPr id="21" name="Right Arrow 20"/>
+          <p:cNvSpPr/>
+          <p:nvPr/>
+        </p:nvSpPr>
+        <p:spPr>
+          <a:xfrm>
+            <a:off x="4419600" y="3429000"/>
+            <a:ext cx="1219200" cy="228600"/>
+          </a:xfrm>
+          <a:prstGeom prst="rightArrow">
+            <a:avLst/>
+          </a:prstGeom>
+        </p:spPr>
+        <p:style>
+          <a:lnRef idx="2">
+            <a:schemeClr val="accent1">
+              <a:shade val="50000"/>
+            </a:schemeClr>
+          </a:lnRef>
+          <a:fillRef idx="1">
+            <a:schemeClr val="accent1"/>
+          </a:fillRef>
+          <a:effectRef idx="0">
+            <a:schemeClr val="accent1"/>
+          </a:effectRef>
+          <a:fontRef idx="minor">
+            <a:schemeClr val="lt1"/>
+          </a:fontRef>
+        </p:style>
+        <p:txBody>
+          <a:bodyPr rtlCol="0" anchor="ctr"/>
+          <a:lstStyle/>
+          <a:p>
+            <a:pPr algn="ctr"/>
+            <a:endParaRPr lang="en-US"/>
+          </a:p>
+        </p:txBody>
+      </p:sp>
+      <p:sp>
+        <p:nvSpPr>
+          <p:cNvPr id="26" name="TextBox 25"/>
+          <p:cNvSpPr txBox="1"/>
+          <p:nvPr/>
+        </p:nvSpPr>
+        <p:spPr>
+          <a:xfrm>
+            <a:off x="4419600" y="3048000"/>
+            <a:ext cx="1143000" cy="369332"/>
+          </a:xfrm>
+          <a:prstGeom prst="rect">
+            <a:avLst/>
+          </a:prstGeom>
+          <a:noFill/>
+        </p:spPr>
+        <p:txBody>
+          <a:bodyPr wrap="square" rtlCol="0">
+            <a:spAutoFit/>
+          </a:bodyPr>
+          <a:lstStyle/>
+          <a:p>
+            <a:r>
+              <a:rPr lang="en-US" dirty="0" smtClean="0"/>
+              <a:t>Subject</a:t>
+            </a:r>
+            <a:endParaRPr lang="en-US" dirty="0"/>
+          </a:p>
+        </p:txBody>
+      </p:sp>
+      <p:sp>
+        <p:nvSpPr>
+          <p:cNvPr id="27" name="Flowchart: Magnetic Disk 26"/>
+          <p:cNvSpPr/>
+          <p:nvPr/>
+        </p:nvSpPr>
+        <p:spPr>
+          <a:xfrm>
+            <a:off x="0" y="2971800"/>
+            <a:ext cx="1524000" cy="1219200"/>
+          </a:xfrm>
+          <a:prstGeom prst="flowChartMagneticDisk">
+            <a:avLst/>
+          </a:prstGeom>
+          <a:solidFill>
+            <a:schemeClr val="accent2"/>
+          </a:solidFill>
+        </p:spPr>
+        <p:style>
+          <a:lnRef idx="2">
+            <a:schemeClr val="accent1">
+              <a:shade val="50000"/>
+            </a:schemeClr>
+          </a:lnRef>
+          <a:fillRef idx="1">
+            <a:schemeClr val="accent1"/>
+          </a:fillRef>
+          <a:effectRef idx="0">
+            <a:schemeClr val="accent1"/>
+          </a:effectRef>
+          <a:fontRef idx="minor">
+            <a:schemeClr val="lt1"/>
+          </a:fontRef>
+        </p:style>
+        <p:txBody>
+          <a:bodyPr rtlCol="0" anchor="ctr"/>
+          <a:lstStyle/>
+          <a:p>
+            <a:pPr algn="ctr"/>
+            <a:r>
+              <a:rPr lang="en-US" sz="1400" b="1" dirty="0" smtClean="0">
+                <a:latin typeface="Times New Roman" pitchFamily="18" charset="0"/>
+                <a:cs typeface="Times New Roman" pitchFamily="18" charset="0"/>
+              </a:rPr>
+              <a:t>CSDL</a:t>
+            </a:r>
+          </a:p>
+          <a:p>
+            <a:pPr algn="ctr"/>
+            <a:r>
+              <a:rPr lang="en-US" sz="1400" b="1" dirty="0" err="1" smtClean="0">
+                <a:latin typeface="Times New Roman" pitchFamily="18" charset="0"/>
+                <a:cs typeface="Times New Roman" pitchFamily="18" charset="0"/>
+              </a:rPr>
+              <a:t>Có</a:t>
+            </a:r>
+            <a:r>
+              <a:rPr lang="en-US" sz="1400" b="1" dirty="0" smtClean="0">
+                <a:latin typeface="Times New Roman" pitchFamily="18" charset="0"/>
+                <a:cs typeface="Times New Roman" pitchFamily="18" charset="0"/>
+              </a:rPr>
+              <a:t> </a:t>
+            </a:r>
+            <a:r>
+              <a:rPr lang="en-US" sz="1400" b="1" dirty="0" err="1" smtClean="0">
+                <a:latin typeface="Times New Roman" pitchFamily="18" charset="0"/>
+                <a:cs typeface="Times New Roman" pitchFamily="18" charset="0"/>
+              </a:rPr>
+              <a:t>sẵn</a:t>
+            </a:r>
+            <a:r>
+              <a:rPr lang="en-US" sz="1400" b="1" dirty="0" smtClean="0">
+                <a:latin typeface="Times New Roman" pitchFamily="18" charset="0"/>
+                <a:cs typeface="Times New Roman" pitchFamily="18" charset="0"/>
+              </a:rPr>
+              <a:t> </a:t>
+            </a:r>
+            <a:endParaRPr lang="en-US" sz="1400" b="1" dirty="0">
+              <a:latin typeface="Times New Roman" pitchFamily="18" charset="0"/>
+              <a:cs typeface="Times New Roman" pitchFamily="18" charset="0"/>
+            </a:endParaRPr>
+          </a:p>
+        </p:txBody>
+      </p:sp>
+      <p:sp>
+        <p:nvSpPr>
+          <p:cNvPr id="32" name="Right Arrow 31"/>
+          <p:cNvSpPr/>
+          <p:nvPr/>
+        </p:nvSpPr>
+        <p:spPr>
+          <a:xfrm>
+            <a:off x="1600200" y="3657600"/>
+            <a:ext cx="1219200" cy="228600"/>
+          </a:xfrm>
+          <a:prstGeom prst="rightArrow">
+            <a:avLst/>
+          </a:prstGeom>
+        </p:spPr>
+        <p:style>
+          <a:lnRef idx="2">
+            <a:schemeClr val="accent1">
+              <a:shade val="50000"/>
+            </a:schemeClr>
+          </a:lnRef>
+          <a:fillRef idx="1">
+            <a:schemeClr val="accent1"/>
+          </a:fillRef>
+          <a:effectRef idx="0">
+            <a:schemeClr val="accent1"/>
+          </a:effectRef>
+          <a:fontRef idx="minor">
+            <a:schemeClr val="lt1"/>
+          </a:fontRef>
+        </p:style>
+        <p:txBody>
+          <a:bodyPr rtlCol="0" anchor="ctr"/>
+          <a:lstStyle/>
+          <a:p>
+            <a:pPr algn="ctr"/>
+            <a:endParaRPr lang="en-US"/>
+          </a:p>
+        </p:txBody>
+      </p:sp>
+      <p:sp>
+        <p:nvSpPr>
+          <p:cNvPr id="33" name="TextBox 32"/>
+          <p:cNvSpPr txBox="1"/>
+          <p:nvPr/>
+        </p:nvSpPr>
+        <p:spPr>
+          <a:xfrm>
+            <a:off x="1600200" y="3276600"/>
+            <a:ext cx="1143000" cy="369332"/>
+          </a:xfrm>
+          <a:prstGeom prst="rect">
+            <a:avLst/>
+          </a:prstGeom>
+          <a:noFill/>
+        </p:spPr>
+        <p:txBody>
+          <a:bodyPr wrap="square" rtlCol="0">
+            <a:spAutoFit/>
+          </a:bodyPr>
+          <a:lstStyle/>
+          <a:p>
+            <a:r>
+              <a:rPr lang="en-US" dirty="0" smtClean="0"/>
+              <a:t>Title</a:t>
+            </a:r>
+            <a:endParaRPr lang="en-US" dirty="0"/>
+          </a:p>
+        </p:txBody>
+      </p:sp>
+      <p:sp>
+        <p:nvSpPr>
+          <p:cNvPr id="34" name="TextBox 33"/>
+          <p:cNvSpPr txBox="1"/>
+          <p:nvPr/>
+        </p:nvSpPr>
+        <p:spPr>
+          <a:xfrm rot="16200000">
+            <a:off x="2813566" y="2063234"/>
+            <a:ext cx="1143000" cy="369332"/>
+          </a:xfrm>
+          <a:prstGeom prst="rect">
+            <a:avLst/>
+          </a:prstGeom>
+          <a:noFill/>
+        </p:spPr>
+        <p:txBody>
+          <a:bodyPr wrap="square" rtlCol="0">
+            <a:spAutoFit/>
+          </a:bodyPr>
+          <a:lstStyle/>
+          <a:p>
+            <a:r>
+              <a:rPr lang="en-US" dirty="0" smtClean="0"/>
+              <a:t>Title</a:t>
+            </a:r>
+            <a:endParaRPr lang="en-US" dirty="0"/>
           </a:p>
         </p:txBody>
       </p:sp>
@@ -4062,7 +4511,7 @@
         </p:blipFill>
         <p:spPr bwMode="auto">
           <a:xfrm>
-            <a:off x="457200" y="2286000"/>
+            <a:off x="152400" y="1295400"/>
             <a:ext cx="940098" cy="892175"/>
           </a:xfrm>
           <a:prstGeom prst="rect">
@@ -4109,6 +4558,16 @@
           <a:p>
             <a:pPr algn="ctr"/>
             <a:r>
+              <a:rPr lang="en-US" sz="1300" b="1" dirty="0" err="1" smtClean="0">
+                <a:solidFill>
+                  <a:schemeClr val="tx1"/>
+                </a:solidFill>
+                <a:latin typeface="Times New Roman" pitchFamily="18" charset="0"/>
+                <a:cs typeface="Times New Roman" pitchFamily="18" charset="0"/>
+              </a:rPr>
+              <a:t>Rút</a:t>
+            </a:r>
+            <a:r>
               <a:rPr lang="en-US" sz="1300" b="1" dirty="0" smtClean="0">
                 <a:solidFill>
                   <a:schemeClr val="tx1"/>
@@ -4116,7 +4575,7 @@
                 <a:latin typeface="Times New Roman" pitchFamily="18" charset="0"/>
                 <a:cs typeface="Times New Roman" pitchFamily="18" charset="0"/>
               </a:rPr>
-              <a:t>ACM, </a:t>
+              <a:t> </a:t>
             </a:r>
             <a:r>
               <a:rPr lang="en-US" sz="1300" b="1" dirty="0" err="1" smtClean="0">
@@ -4126,7 +4585,7 @@
                 <a:latin typeface="Times New Roman" pitchFamily="18" charset="0"/>
                 <a:cs typeface="Times New Roman" pitchFamily="18" charset="0"/>
               </a:rPr>
-              <a:t>Citeseer</a:t>
+              <a:t>trích</a:t>
             </a:r>
             <a:r>
               <a:rPr lang="en-US" sz="1300" b="1" dirty="0" smtClean="0">
@@ -4136,7 +4595,7 @@
                 <a:latin typeface="Times New Roman" pitchFamily="18" charset="0"/>
                 <a:cs typeface="Times New Roman" pitchFamily="18" charset="0"/>
               </a:rPr>
-              <a:t>,  IEEE </a:t>
+              <a:t> </a:t>
             </a:r>
             <a:r>
               <a:rPr lang="en-US" sz="1300" b="1" dirty="0" err="1" smtClean="0">
@@ -4146,7 +4605,67 @@
                 <a:latin typeface="Times New Roman" pitchFamily="18" charset="0"/>
                 <a:cs typeface="Times New Roman" pitchFamily="18" charset="0"/>
               </a:rPr>
-              <a:t>Xplore</a:t>
+              <a:t>thông</a:t>
+            </a:r>
+            <a:r>
+              <a:rPr lang="en-US" sz="1300" b="1" dirty="0" smtClean="0">
+                <a:solidFill>
+                  <a:schemeClr val="tx1"/>
+                </a:solidFill>
+                <a:latin typeface="Times New Roman" pitchFamily="18" charset="0"/>
+                <a:cs typeface="Times New Roman" pitchFamily="18" charset="0"/>
+              </a:rPr>
+              <a:t> tin </a:t>
+            </a:r>
+            <a:r>
+              <a:rPr lang="en-US" sz="1300" b="1" dirty="0" err="1" smtClean="0">
+                <a:solidFill>
+                  <a:schemeClr val="tx1"/>
+                </a:solidFill>
+                <a:latin typeface="Times New Roman" pitchFamily="18" charset="0"/>
+                <a:cs typeface="Times New Roman" pitchFamily="18" charset="0"/>
+              </a:rPr>
+              <a:t>về</a:t>
+            </a:r>
+            <a:r>
+              <a:rPr lang="en-US" sz="1300" b="1" dirty="0" smtClean="0">
+                <a:solidFill>
+                  <a:schemeClr val="tx1"/>
+                </a:solidFill>
+                <a:latin typeface="Times New Roman" pitchFamily="18" charset="0"/>
+                <a:cs typeface="Times New Roman" pitchFamily="18" charset="0"/>
+              </a:rPr>
+              <a:t> </a:t>
+            </a:r>
+            <a:r>
+              <a:rPr lang="en-US" sz="1300" b="1" dirty="0" err="1" smtClean="0">
+                <a:solidFill>
+                  <a:schemeClr val="tx1"/>
+                </a:solidFill>
+                <a:latin typeface="Times New Roman" pitchFamily="18" charset="0"/>
+                <a:cs typeface="Times New Roman" pitchFamily="18" charset="0"/>
+              </a:rPr>
+              <a:t>bài</a:t>
+            </a:r>
+            <a:r>
+              <a:rPr lang="en-US" sz="1300" b="1" dirty="0" smtClean="0">
+                <a:solidFill>
+                  <a:schemeClr val="tx1"/>
+                </a:solidFill>
+                <a:latin typeface="Times New Roman" pitchFamily="18" charset="0"/>
+                <a:cs typeface="Times New Roman" pitchFamily="18" charset="0"/>
+              </a:rPr>
+              <a:t> </a:t>
+            </a:r>
+            <a:r>
+              <a:rPr lang="en-US" sz="1300" b="1" dirty="0" err="1" smtClean="0">
+                <a:solidFill>
+                  <a:schemeClr val="tx1"/>
+                </a:solidFill>
+                <a:latin typeface="Times New Roman" pitchFamily="18" charset="0"/>
+                <a:cs typeface="Times New Roman" pitchFamily="18" charset="0"/>
+              </a:rPr>
+              <a:t>báo</a:t>
             </a:r>
             <a:endParaRPr lang="en-US" sz="1300" b="1" dirty="0">
               <a:solidFill>
@@ -4209,8 +4728,8 @@
         </p:nvSpPr>
         <p:spPr>
           <a:xfrm>
-            <a:off x="1066800" y="685800"/>
-            <a:ext cx="1524000" cy="1450848"/>
+            <a:off x="762000" y="0"/>
+            <a:ext cx="1524000" cy="1146048"/>
           </a:xfrm>
           <a:prstGeom prst="cloudCallout">
             <a:avLst>
@@ -4436,7 +4955,37 @@
                 <a:latin typeface="Times New Roman" pitchFamily="18" charset="0"/>
                 <a:cs typeface="Times New Roman" pitchFamily="18" charset="0"/>
               </a:rPr>
-              <a:t>WWW</a:t>
+              <a:t>ACM, </a:t>
+            </a:r>
+            <a:r>
+              <a:rPr lang="en-US" sz="1300" b="1" dirty="0" err="1" smtClean="0">
+                <a:solidFill>
+                  <a:schemeClr val="tx1"/>
+                </a:solidFill>
+                <a:latin typeface="Times New Roman" pitchFamily="18" charset="0"/>
+                <a:cs typeface="Times New Roman" pitchFamily="18" charset="0"/>
+              </a:rPr>
+              <a:t>Citeseer</a:t>
+            </a:r>
+            <a:r>
+              <a:rPr lang="en-US" sz="1300" b="1" dirty="0" smtClean="0">
+                <a:solidFill>
+                  <a:schemeClr val="tx1"/>
+                </a:solidFill>
+                <a:latin typeface="Times New Roman" pitchFamily="18" charset="0"/>
+                <a:cs typeface="Times New Roman" pitchFamily="18" charset="0"/>
+              </a:rPr>
+              <a:t>,  IEEE </a:t>
+            </a:r>
+            <a:r>
+              <a:rPr lang="en-US" sz="1300" b="1" dirty="0" err="1" smtClean="0">
+                <a:solidFill>
+                  <a:schemeClr val="tx1"/>
+                </a:solidFill>
+                <a:latin typeface="Times New Roman" pitchFamily="18" charset="0"/>
+                <a:cs typeface="Times New Roman" pitchFamily="18" charset="0"/>
+              </a:rPr>
+              <a:t>Xplore</a:t>
             </a:r>
             <a:endParaRPr lang="en-US" sz="1300" b="1" dirty="0">
               <a:solidFill>
@@ -4695,13 +5244,13 @@
       </p:sp>
       <p:sp>
         <p:nvSpPr>
-          <p:cNvPr id="14" name="Right Arrow 13"/>
+          <p:cNvPr id="15" name="Right Arrow 14"/>
           <p:cNvSpPr/>
           <p:nvPr/>
         </p:nvSpPr>
         <p:spPr>
           <a:xfrm>
-            <a:off x="1447800" y="2743200"/>
+            <a:off x="3733800" y="2743200"/>
             <a:ext cx="914400" cy="228600"/>
           </a:xfrm>
           <a:prstGeom prst="rightArrow">
@@ -4738,56 +5287,13 @@
       </p:sp>
       <p:sp>
         <p:nvSpPr>
-          <p:cNvPr id="15" name="Right Arrow 14"/>
-          <p:cNvSpPr/>
-          <p:nvPr/>
-        </p:nvSpPr>
-        <p:spPr>
-          <a:xfrm>
-            <a:off x="3733800" y="2743200"/>
-            <a:ext cx="914400" cy="228600"/>
-          </a:xfrm>
-          <a:prstGeom prst="rightArrow">
-            <a:avLst/>
-          </a:prstGeom>
-        </p:spPr>
-        <p:style>
-          <a:lnRef idx="2">
-            <a:schemeClr val="accent1">
-              <a:shade val="50000"/>
-            </a:schemeClr>
-          </a:lnRef>
-          <a:fillRef idx="1">
-            <a:schemeClr val="accent1"/>
-          </a:fillRef>
-          <a:effectRef idx="0">
-            <a:schemeClr val="accent1"/>
-          </a:effectRef>
-          <a:fontRef idx="minor">
-            <a:schemeClr val="lt1"/>
-          </a:fontRef>
-        </p:style>
-        <p:txBody>
-          <a:bodyPr rtlCol="0" anchor="ctr"/>
-          <a:lstStyle/>
-          <a:p>
-            <a:pPr algn="ctr"/>
-            <a:endParaRPr lang="en-US" sz="1300" b="1">
-              <a:latin typeface="Times New Roman" pitchFamily="18" charset="0"/>
-              <a:cs typeface="Times New Roman" pitchFamily="18" charset="0"/>
-            </a:endParaRPr>
-          </a:p>
-        </p:txBody>
-      </p:sp>
-      <p:sp>
-        <p:nvSpPr>
           <p:cNvPr id="16" name="Rectangle 15"/>
           <p:cNvSpPr/>
           <p:nvPr/>
         </p:nvSpPr>
         <p:spPr>
           <a:xfrm>
-            <a:off x="7086600" y="1066800"/>
+            <a:off x="7162800" y="1447800"/>
             <a:ext cx="1752600" cy="4572000"/>
           </a:xfrm>
           <a:prstGeom prst="rect">
@@ -5022,6 +5528,39 @@
               </a:rPr>
               <a:t>Reference</a:t>
             </a:r>
+          </a:p>
+          <a:p>
+            <a:pPr algn="ctr"/>
+            <a:endParaRPr lang="en-US" sz="1300" b="1" dirty="0" smtClean="0">
+              <a:solidFill>
+                <a:schemeClr val="tx1"/>
+              </a:solidFill>
+              <a:latin typeface="Times New Roman" pitchFamily="18" charset="0"/>
+              <a:cs typeface="Times New Roman" pitchFamily="18" charset="0"/>
+            </a:endParaRPr>
+          </a:p>
+          <a:p>
+            <a:pPr algn="ctr"/>
+            <a:r>
+              <a:rPr lang="en-US" sz="1300" b="1" dirty="0" smtClean="0">
+                <a:solidFill>
+                  <a:schemeClr val="tx1"/>
+                </a:solidFill>
+                <a:latin typeface="Times New Roman" pitchFamily="18" charset="0"/>
+                <a:cs typeface="Times New Roman" pitchFamily="18" charset="0"/>
+              </a:rPr>
+              <a:t>Title</a:t>
+            </a:r>
+          </a:p>
+          <a:p>
+            <a:pPr algn="ctr"/>
+            <a:endParaRPr lang="en-US" sz="1300" b="1" dirty="0" smtClean="0">
+              <a:solidFill>
+                <a:schemeClr val="tx1"/>
+              </a:solidFill>
+              <a:latin typeface="Times New Roman" pitchFamily="18" charset="0"/>
+              <a:cs typeface="Times New Roman" pitchFamily="18" charset="0"/>
+            </a:endParaRPr>
           </a:p>
           <a:p>
             <a:pPr algn="ctr"/>
@@ -5227,6 +5766,80 @@
             <a:solidFill>
               <a:srgbClr val="FF0000"/>
             </a:solidFill>
+            <a:tailEnd type="arrow"/>
+          </a:ln>
+        </p:spPr>
+        <p:style>
+          <a:lnRef idx="1">
+            <a:schemeClr val="accent1"/>
+          </a:lnRef>
+          <a:fillRef idx="0">
+            <a:schemeClr val="accent1"/>
+          </a:fillRef>
+          <a:effectRef idx="0">
+            <a:schemeClr val="accent1"/>
+          </a:effectRef>
+          <a:fontRef idx="minor">
+            <a:schemeClr val="tx1"/>
+          </a:fontRef>
+        </p:style>
+      </p:cxnSp>
+      <p:cxnSp>
+        <p:nvCxnSpPr>
+          <p:cNvPr id="19" name="Straight Arrow Connector 18"/>
+          <p:cNvCxnSpPr/>
+          <p:nvPr/>
+        </p:nvCxnSpPr>
+        <p:spPr>
+          <a:xfrm rot="16200000" flipH="1">
+            <a:off x="5829300" y="2933700"/>
+            <a:ext cx="1752600" cy="1676400"/>
+          </a:xfrm>
+          <a:prstGeom prst="straightConnector1">
+            <a:avLst/>
+          </a:prstGeom>
+          <a:ln>
+            <a:solidFill>
+              <a:srgbClr val="FF0000"/>
+            </a:solidFill>
+            <a:tailEnd type="arrow"/>
+          </a:ln>
+        </p:spPr>
+        <p:style>
+          <a:lnRef idx="1">
+            <a:schemeClr val="accent1"/>
+          </a:lnRef>
+          <a:fillRef idx="0">
+            <a:schemeClr val="accent1"/>
+          </a:fillRef>
+          <a:effectRef idx="0">
+            <a:schemeClr val="accent1"/>
+          </a:effectRef>
+          <a:fontRef idx="minor">
+            <a:schemeClr val="tx1"/>
+          </a:fontRef>
+        </p:style>
+      </p:cxnSp>
+      <p:cxnSp>
+        <p:nvCxnSpPr>
+          <p:cNvPr id="26" name="Curved Connector 25"/>
+          <p:cNvCxnSpPr>
+            <a:stCxn id="4" idx="3"/>
+            <a:endCxn id="31" idx="2"/>
+          </p:cNvCxnSpPr>
+          <p:nvPr/>
+        </p:nvCxnSpPr>
+        <p:spPr>
+          <a:xfrm flipV="1">
+            <a:off x="1092498" y="609600"/>
+            <a:ext cx="2037611" cy="1131888"/>
+          </a:xfrm>
+          <a:prstGeom prst="curvedConnector3">
+            <a:avLst>
+              <a:gd name="adj1" fmla="val 50000"/>
+            </a:avLst>
+          </a:prstGeom>
+          <a:ln w="34925">
             <a:tailEnd type="arrow"/>
           </a:ln>
         </p:spPr>
@@ -5379,14 +5992,14 @@
           <a:p>
             <a:pPr algn="ctr"/>
             <a:r>
-              <a:rPr lang="en-US" sz="1300" b="1" dirty="0" err="1" smtClean="0">
+              <a:rPr lang="en-US" sz="1300" b="1" dirty="0" smtClean="0">
                 <a:solidFill>
                   <a:schemeClr val="tx1"/>
                 </a:solidFill>
                 <a:latin typeface="Times New Roman" pitchFamily="18" charset="0"/>
                 <a:cs typeface="Times New Roman" pitchFamily="18" charset="0"/>
               </a:rPr>
-              <a:t>Abtract</a:t>
+              <a:t>Title</a:t>
             </a:r>
             <a:endParaRPr lang="en-US" sz="1300" b="1" dirty="0">
               <a:solidFill>
@@ -5822,14 +6435,14 @@
           <a:p>
             <a:pPr algn="ctr"/>
             <a:r>
-              <a:rPr lang="en-US" sz="1300" b="1" dirty="0" err="1" smtClean="0">
+              <a:rPr lang="en-US" sz="1300" b="1" dirty="0" smtClean="0">
                 <a:solidFill>
                   <a:schemeClr val="tx1"/>
                 </a:solidFill>
                 <a:latin typeface="Times New Roman" pitchFamily="18" charset="0"/>
                 <a:cs typeface="Times New Roman" pitchFamily="18" charset="0"/>
               </a:rPr>
-              <a:t>Abtract</a:t>
+              <a:t>Title</a:t>
             </a:r>
             <a:endParaRPr lang="en-US" sz="1300" b="1" dirty="0">
               <a:solidFill>
@@ -6324,26 +6937,6 @@
         <p:txBody>
           <a:bodyPr rtlCol="0" anchor="ctr"/>
           <a:lstStyle/>
-          <a:p>
-            <a:pPr algn="ctr"/>
-            <a:r>
-              <a:rPr lang="en-US" sz="1300" b="1" dirty="0" err="1" smtClean="0">
-                <a:solidFill>
-                  <a:schemeClr val="tx1"/>
-                </a:solidFill>
-                <a:latin typeface="Times New Roman" pitchFamily="18" charset="0"/>
-                <a:cs typeface="Times New Roman" pitchFamily="18" charset="0"/>
-              </a:rPr>
-              <a:t>Abtract</a:t>
-            </a:r>
-            <a:endParaRPr lang="en-US" sz="1300" b="1" dirty="0" smtClean="0">
-              <a:solidFill>
-                <a:schemeClr val="tx1"/>
-              </a:solidFill>
-              <a:latin typeface="Times New Roman" pitchFamily="18" charset="0"/>
-              <a:cs typeface="Times New Roman" pitchFamily="18" charset="0"/>
-            </a:endParaRPr>
-          </a:p>
           <a:p>
             <a:pPr algn="ctr"/>
             <a:r>

--- a/Outline thesis/De cuong/Kientrucdetai_26_8.pptx
+++ b/Outline thesis/De cuong/Kientrucdetai_26_8.pptx
@@ -291,7 +291,7 @@
             <a:fld id="{1D8BD707-D9CF-40AE-B4C6-C98DA3205C09}" type="datetimeFigureOut">
               <a:rPr lang="en-US" smtClean="0"/>
               <a:pPr/>
-              <a:t>8/29/2010</a:t>
+              <a:t>8/30/2010</a:t>
             </a:fld>
             <a:endParaRPr lang="en-US"/>
           </a:p>
@@ -458,7 +458,7 @@
             <a:fld id="{1D8BD707-D9CF-40AE-B4C6-C98DA3205C09}" type="datetimeFigureOut">
               <a:rPr lang="en-US" smtClean="0"/>
               <a:pPr/>
-              <a:t>8/29/2010</a:t>
+              <a:t>8/30/2010</a:t>
             </a:fld>
             <a:endParaRPr lang="en-US"/>
           </a:p>
@@ -635,7 +635,7 @@
             <a:fld id="{1D8BD707-D9CF-40AE-B4C6-C98DA3205C09}" type="datetimeFigureOut">
               <a:rPr lang="en-US" smtClean="0"/>
               <a:pPr/>
-              <a:t>8/29/2010</a:t>
+              <a:t>8/30/2010</a:t>
             </a:fld>
             <a:endParaRPr lang="en-US"/>
           </a:p>
@@ -802,7 +802,7 @@
             <a:fld id="{1D8BD707-D9CF-40AE-B4C6-C98DA3205C09}" type="datetimeFigureOut">
               <a:rPr lang="en-US" smtClean="0"/>
               <a:pPr/>
-              <a:t>8/29/2010</a:t>
+              <a:t>8/30/2010</a:t>
             </a:fld>
             <a:endParaRPr lang="en-US"/>
           </a:p>
@@ -1045,7 +1045,7 @@
             <a:fld id="{1D8BD707-D9CF-40AE-B4C6-C98DA3205C09}" type="datetimeFigureOut">
               <a:rPr lang="en-US" smtClean="0"/>
               <a:pPr/>
-              <a:t>8/29/2010</a:t>
+              <a:t>8/30/2010</a:t>
             </a:fld>
             <a:endParaRPr lang="en-US"/>
           </a:p>
@@ -1330,7 +1330,7 @@
             <a:fld id="{1D8BD707-D9CF-40AE-B4C6-C98DA3205C09}" type="datetimeFigureOut">
               <a:rPr lang="en-US" smtClean="0"/>
               <a:pPr/>
-              <a:t>8/29/2010</a:t>
+              <a:t>8/30/2010</a:t>
             </a:fld>
             <a:endParaRPr lang="en-US"/>
           </a:p>
@@ -1749,7 +1749,7 @@
             <a:fld id="{1D8BD707-D9CF-40AE-B4C6-C98DA3205C09}" type="datetimeFigureOut">
               <a:rPr lang="en-US" smtClean="0"/>
               <a:pPr/>
-              <a:t>8/29/2010</a:t>
+              <a:t>8/30/2010</a:t>
             </a:fld>
             <a:endParaRPr lang="en-US"/>
           </a:p>
@@ -1864,7 +1864,7 @@
             <a:fld id="{1D8BD707-D9CF-40AE-B4C6-C98DA3205C09}" type="datetimeFigureOut">
               <a:rPr lang="en-US" smtClean="0"/>
               <a:pPr/>
-              <a:t>8/29/2010</a:t>
+              <a:t>8/30/2010</a:t>
             </a:fld>
             <a:endParaRPr lang="en-US"/>
           </a:p>
@@ -1956,7 +1956,7 @@
             <a:fld id="{1D8BD707-D9CF-40AE-B4C6-C98DA3205C09}" type="datetimeFigureOut">
               <a:rPr lang="en-US" smtClean="0"/>
               <a:pPr/>
-              <a:t>8/29/2010</a:t>
+              <a:t>8/30/2010</a:t>
             </a:fld>
             <a:endParaRPr lang="en-US"/>
           </a:p>
@@ -2230,7 +2230,7 @@
             <a:fld id="{1D8BD707-D9CF-40AE-B4C6-C98DA3205C09}" type="datetimeFigureOut">
               <a:rPr lang="en-US" smtClean="0"/>
               <a:pPr/>
-              <a:t>8/29/2010</a:t>
+              <a:t>8/30/2010</a:t>
             </a:fld>
             <a:endParaRPr lang="en-US"/>
           </a:p>
@@ -2480,7 +2480,7 @@
             <a:fld id="{1D8BD707-D9CF-40AE-B4C6-C98DA3205C09}" type="datetimeFigureOut">
               <a:rPr lang="en-US" smtClean="0"/>
               <a:pPr/>
-              <a:t>8/29/2010</a:t>
+              <a:t>8/30/2010</a:t>
             </a:fld>
             <a:endParaRPr lang="en-US"/>
           </a:p>
@@ -2690,7 +2690,7 @@
             <a:fld id="{1D8BD707-D9CF-40AE-B4C6-C98DA3205C09}" type="datetimeFigureOut">
               <a:rPr lang="en-US" smtClean="0"/>
               <a:pPr/>
-              <a:t>8/29/2010</a:t>
+              <a:t>8/30/2010</a:t>
             </a:fld>
             <a:endParaRPr lang="en-US"/>
           </a:p>
@@ -4286,7 +4286,7 @@
         </p:nvSpPr>
         <p:spPr>
           <a:xfrm>
-            <a:off x="0" y="2971800"/>
+            <a:off x="0" y="3124200"/>
             <a:ext cx="1524000" cy="1219200"/>
           </a:xfrm>
           <a:prstGeom prst="flowChartMagneticDisk">

--- a/Outline thesis/De cuong/Kientrucdetai_26_8.pptx
+++ b/Outline thesis/De cuong/Kientrucdetai_26_8.pptx
@@ -8,6 +8,7 @@
     <p:sldId id="256" r:id="rId2"/>
     <p:sldId id="257" r:id="rId3"/>
     <p:sldId id="260" r:id="rId4"/>
+    <p:sldId id="261" r:id="rId5"/>
   </p:sldIdLst>
   <p:sldSz cx="9144000" cy="6858000" type="screen4x3"/>
   <p:notesSz cx="6858000" cy="9144000"/>
@@ -291,7 +292,7 @@
             <a:fld id="{1D8BD707-D9CF-40AE-B4C6-C98DA3205C09}" type="datetimeFigureOut">
               <a:rPr lang="en-US" smtClean="0"/>
               <a:pPr/>
-              <a:t>8/30/2010</a:t>
+              <a:t>8/31/2010</a:t>
             </a:fld>
             <a:endParaRPr lang="en-US"/>
           </a:p>
@@ -458,7 +459,7 @@
             <a:fld id="{1D8BD707-D9CF-40AE-B4C6-C98DA3205C09}" type="datetimeFigureOut">
               <a:rPr lang="en-US" smtClean="0"/>
               <a:pPr/>
-              <a:t>8/30/2010</a:t>
+              <a:t>8/31/2010</a:t>
             </a:fld>
             <a:endParaRPr lang="en-US"/>
           </a:p>
@@ -635,7 +636,7 @@
             <a:fld id="{1D8BD707-D9CF-40AE-B4C6-C98DA3205C09}" type="datetimeFigureOut">
               <a:rPr lang="en-US" smtClean="0"/>
               <a:pPr/>
-              <a:t>8/30/2010</a:t>
+              <a:t>8/31/2010</a:t>
             </a:fld>
             <a:endParaRPr lang="en-US"/>
           </a:p>
@@ -802,7 +803,7 @@
             <a:fld id="{1D8BD707-D9CF-40AE-B4C6-C98DA3205C09}" type="datetimeFigureOut">
               <a:rPr lang="en-US" smtClean="0"/>
               <a:pPr/>
-              <a:t>8/30/2010</a:t>
+              <a:t>8/31/2010</a:t>
             </a:fld>
             <a:endParaRPr lang="en-US"/>
           </a:p>
@@ -1045,7 +1046,7 @@
             <a:fld id="{1D8BD707-D9CF-40AE-B4C6-C98DA3205C09}" type="datetimeFigureOut">
               <a:rPr lang="en-US" smtClean="0"/>
               <a:pPr/>
-              <a:t>8/30/2010</a:t>
+              <a:t>8/31/2010</a:t>
             </a:fld>
             <a:endParaRPr lang="en-US"/>
           </a:p>
@@ -1330,7 +1331,7 @@
             <a:fld id="{1D8BD707-D9CF-40AE-B4C6-C98DA3205C09}" type="datetimeFigureOut">
               <a:rPr lang="en-US" smtClean="0"/>
               <a:pPr/>
-              <a:t>8/30/2010</a:t>
+              <a:t>8/31/2010</a:t>
             </a:fld>
             <a:endParaRPr lang="en-US"/>
           </a:p>
@@ -1749,7 +1750,7 @@
             <a:fld id="{1D8BD707-D9CF-40AE-B4C6-C98DA3205C09}" type="datetimeFigureOut">
               <a:rPr lang="en-US" smtClean="0"/>
               <a:pPr/>
-              <a:t>8/30/2010</a:t>
+              <a:t>8/31/2010</a:t>
             </a:fld>
             <a:endParaRPr lang="en-US"/>
           </a:p>
@@ -1864,7 +1865,7 @@
             <a:fld id="{1D8BD707-D9CF-40AE-B4C6-C98DA3205C09}" type="datetimeFigureOut">
               <a:rPr lang="en-US" smtClean="0"/>
               <a:pPr/>
-              <a:t>8/30/2010</a:t>
+              <a:t>8/31/2010</a:t>
             </a:fld>
             <a:endParaRPr lang="en-US"/>
           </a:p>
@@ -1956,7 +1957,7 @@
             <a:fld id="{1D8BD707-D9CF-40AE-B4C6-C98DA3205C09}" type="datetimeFigureOut">
               <a:rPr lang="en-US" smtClean="0"/>
               <a:pPr/>
-              <a:t>8/30/2010</a:t>
+              <a:t>8/31/2010</a:t>
             </a:fld>
             <a:endParaRPr lang="en-US"/>
           </a:p>
@@ -2230,7 +2231,7 @@
             <a:fld id="{1D8BD707-D9CF-40AE-B4C6-C98DA3205C09}" type="datetimeFigureOut">
               <a:rPr lang="en-US" smtClean="0"/>
               <a:pPr/>
-              <a:t>8/30/2010</a:t>
+              <a:t>8/31/2010</a:t>
             </a:fld>
             <a:endParaRPr lang="en-US"/>
           </a:p>
@@ -2480,7 +2481,7 @@
             <a:fld id="{1D8BD707-D9CF-40AE-B4C6-C98DA3205C09}" type="datetimeFigureOut">
               <a:rPr lang="en-US" smtClean="0"/>
               <a:pPr/>
-              <a:t>8/30/2010</a:t>
+              <a:t>8/31/2010</a:t>
             </a:fld>
             <a:endParaRPr lang="en-US"/>
           </a:p>
@@ -2690,7 +2691,7 @@
             <a:fld id="{1D8BD707-D9CF-40AE-B4C6-C98DA3205C09}" type="datetimeFigureOut">
               <a:rPr lang="en-US" smtClean="0"/>
               <a:pPr/>
-              <a:t>8/30/2010</a:t>
+              <a:t>8/31/2010</a:t>
             </a:fld>
             <a:endParaRPr lang="en-US"/>
           </a:p>
@@ -3158,7 +3159,7 @@
         </p:nvSpPr>
         <p:spPr>
           <a:xfrm>
-            <a:off x="2895600" y="2819400"/>
+            <a:off x="2895600" y="3429000"/>
             <a:ext cx="1447800" cy="1295400"/>
           </a:xfrm>
           <a:prstGeom prst="flowChartMultidocument">
@@ -4038,8 +4039,8 @@
         </p:nvSpPr>
         <p:spPr>
           <a:xfrm>
-            <a:off x="3048000" y="1371600"/>
-            <a:ext cx="1371600" cy="685800"/>
+            <a:off x="3048000" y="1295400"/>
+            <a:ext cx="1371600" cy="762000"/>
           </a:xfrm>
           <a:prstGeom prst="rect">
             <a:avLst/>
@@ -4076,15 +4077,7 @@
             </a:r>
             <a:r>
               <a:rPr lang="en-US" dirty="0" err="1" smtClean="0"/>
-              <a:t>Trích</a:t>
-            </a:r>
-            <a:r>
-              <a:rPr lang="en-US" dirty="0" smtClean="0"/>
-              <a:t>  </a:t>
-            </a:r>
-            <a:r>
-              <a:rPr lang="en-US" dirty="0" err="1" smtClean="0"/>
-              <a:t>Dữ</a:t>
+              <a:t>trích</a:t>
             </a:r>
             <a:r>
               <a:rPr lang="en-US" dirty="0" smtClean="0"/>
@@ -4092,7 +4085,23 @@
             </a:r>
             <a:r>
               <a:rPr lang="en-US" dirty="0" err="1" smtClean="0"/>
-              <a:t>liệu</a:t>
+              <a:t>thông</a:t>
+            </a:r>
+            <a:r>
+              <a:rPr lang="en-US" dirty="0" smtClean="0"/>
+              <a:t> tin </a:t>
+            </a:r>
+            <a:r>
+              <a:rPr lang="en-US" dirty="0" err="1" smtClean="0"/>
+              <a:t>bài</a:t>
+            </a:r>
+            <a:r>
+              <a:rPr lang="en-US" dirty="0" smtClean="0"/>
+              <a:t> </a:t>
+            </a:r>
+            <a:r>
+              <a:rPr lang="en-US" dirty="0" err="1" smtClean="0"/>
+              <a:t>báo</a:t>
             </a:r>
             <a:endParaRPr lang="en-US" dirty="0"/>
           </a:p>
@@ -4146,8 +4155,8 @@
         </p:nvSpPr>
         <p:spPr>
           <a:xfrm rot="5400000">
-            <a:off x="3314700" y="2400300"/>
-            <a:ext cx="685800" cy="152400"/>
+            <a:off x="3086100" y="2628900"/>
+            <a:ext cx="1143000" cy="152400"/>
           </a:xfrm>
           <a:prstGeom prst="rightArrow">
             <a:avLst/>
@@ -4216,7 +4225,7 @@
         </p:nvSpPr>
         <p:spPr>
           <a:xfrm>
-            <a:off x="4419600" y="3429000"/>
+            <a:off x="4419600" y="3962400"/>
             <a:ext cx="1219200" cy="228600"/>
           </a:xfrm>
           <a:prstGeom prst="rightArrow">
@@ -4256,7 +4265,7 @@
         </p:nvSpPr>
         <p:spPr>
           <a:xfrm>
-            <a:off x="4419600" y="3048000"/>
+            <a:off x="4419600" y="3505200"/>
             <a:ext cx="1143000" cy="369332"/>
           </a:xfrm>
           <a:prstGeom prst="rect">
@@ -4286,8 +4295,8 @@
         </p:nvSpPr>
         <p:spPr>
           <a:xfrm>
-            <a:off x="0" y="3124200"/>
-            <a:ext cx="1524000" cy="1219200"/>
+            <a:off x="0" y="4038600"/>
+            <a:ext cx="1524000" cy="1828800"/>
           </a:xfrm>
           <a:prstGeom prst="flowChartMagneticDisk">
             <a:avLst/>
@@ -4370,8 +4379,8 @@
         </p:nvSpPr>
         <p:spPr>
           <a:xfrm>
-            <a:off x="1600200" y="3657600"/>
-            <a:ext cx="1219200" cy="228600"/>
+            <a:off x="1524000" y="4343400"/>
+            <a:ext cx="1295400" cy="228600"/>
           </a:xfrm>
           <a:prstGeom prst="rightArrow">
             <a:avLst/>
@@ -4410,7 +4419,7 @@
         </p:nvSpPr>
         <p:spPr>
           <a:xfrm>
-            <a:off x="1600200" y="3276600"/>
+            <a:off x="1600200" y="3962400"/>
             <a:ext cx="1143000" cy="369332"/>
           </a:xfrm>
           <a:prstGeom prst="rect">
@@ -4440,8 +4449,8 @@
         </p:nvSpPr>
         <p:spPr>
           <a:xfrm rot="16200000">
-            <a:off x="2813566" y="2063234"/>
-            <a:ext cx="1143000" cy="369332"/>
+            <a:off x="2623068" y="2497722"/>
+            <a:ext cx="1523999" cy="338554"/>
           </a:xfrm>
           <a:prstGeom prst="rect">
             <a:avLst/>
@@ -4455,8 +4464,82 @@
           <a:lstStyle/>
           <a:p>
             <a:r>
+              <a:rPr lang="en-US" sz="1600" dirty="0" smtClean="0"/>
+              <a:t>Title, </a:t>
+            </a:r>
+            <a:r>
+              <a:rPr lang="en-US" sz="1600" dirty="0" err="1" smtClean="0"/>
+              <a:t>Abtrach</a:t>
+            </a:r>
+            <a:endParaRPr lang="en-US" sz="1600" dirty="0"/>
+          </a:p>
+        </p:txBody>
+      </p:sp>
+      <p:sp>
+        <p:nvSpPr>
+          <p:cNvPr id="35" name="Right Arrow 34"/>
+          <p:cNvSpPr/>
+          <p:nvPr/>
+        </p:nvSpPr>
+        <p:spPr>
+          <a:xfrm>
+            <a:off x="1524000" y="5029200"/>
+            <a:ext cx="3962400" cy="228600"/>
+          </a:xfrm>
+          <a:prstGeom prst="rightArrow">
+            <a:avLst/>
+          </a:prstGeom>
+        </p:spPr>
+        <p:style>
+          <a:lnRef idx="2">
+            <a:schemeClr val="accent1">
+              <a:shade val="50000"/>
+            </a:schemeClr>
+          </a:lnRef>
+          <a:fillRef idx="1">
+            <a:schemeClr val="accent1"/>
+          </a:fillRef>
+          <a:effectRef idx="0">
+            <a:schemeClr val="accent1"/>
+          </a:effectRef>
+          <a:fontRef idx="minor">
+            <a:schemeClr val="lt1"/>
+          </a:fontRef>
+        </p:style>
+        <p:txBody>
+          <a:bodyPr rtlCol="0" anchor="ctr"/>
+          <a:lstStyle/>
+          <a:p>
+            <a:pPr algn="ctr"/>
+            <a:endParaRPr lang="en-US"/>
+          </a:p>
+        </p:txBody>
+      </p:sp>
+      <p:sp>
+        <p:nvSpPr>
+          <p:cNvPr id="36" name="TextBox 35"/>
+          <p:cNvSpPr txBox="1"/>
+          <p:nvPr/>
+        </p:nvSpPr>
+        <p:spPr>
+          <a:xfrm>
+            <a:off x="1676400" y="4724400"/>
+            <a:ext cx="1600200" cy="369332"/>
+          </a:xfrm>
+          <a:prstGeom prst="rect">
+            <a:avLst/>
+          </a:prstGeom>
+          <a:noFill/>
+        </p:spPr>
+        <p:txBody>
+          <a:bodyPr wrap="square" rtlCol="0">
+            <a:spAutoFit/>
+          </a:bodyPr>
+          <a:lstStyle/>
+          <a:p>
+            <a:r>
               <a:rPr lang="en-US" dirty="0" smtClean="0"/>
-              <a:t>Title</a:t>
+              <a:t>Metadata</a:t>
             </a:r>
             <a:endParaRPr lang="en-US" dirty="0"/>
           </a:p>
@@ -5858,6 +5941,84 @@
           </a:fontRef>
         </p:style>
       </p:cxnSp>
+      <p:sp>
+        <p:nvSpPr>
+          <p:cNvPr id="20" name="Rectangle 19"/>
+          <p:cNvSpPr/>
+          <p:nvPr/>
+        </p:nvSpPr>
+        <p:spPr>
+          <a:xfrm>
+            <a:off x="7053363" y="1066800"/>
+            <a:ext cx="1879232" cy="292388"/>
+          </a:xfrm>
+          <a:prstGeom prst="rect">
+            <a:avLst/>
+          </a:prstGeom>
+        </p:spPr>
+        <p:txBody>
+          <a:bodyPr wrap="none">
+            <a:spAutoFit/>
+          </a:bodyPr>
+          <a:lstStyle/>
+          <a:p>
+            <a:pPr algn="ctr"/>
+            <a:r>
+              <a:rPr lang="en-US" sz="1300" b="1" dirty="0" err="1" smtClean="0">
+                <a:latin typeface="Times New Roman" pitchFamily="18" charset="0"/>
+                <a:cs typeface="Times New Roman" pitchFamily="18" charset="0"/>
+              </a:rPr>
+              <a:t>Thông</a:t>
+            </a:r>
+            <a:r>
+              <a:rPr lang="en-US" sz="1300" b="1" dirty="0" smtClean="0">
+                <a:latin typeface="Times New Roman" pitchFamily="18" charset="0"/>
+                <a:cs typeface="Times New Roman" pitchFamily="18" charset="0"/>
+              </a:rPr>
+              <a:t> tin </a:t>
+            </a:r>
+            <a:r>
+              <a:rPr lang="en-US" sz="1300" b="1" dirty="0" err="1" smtClean="0">
+                <a:latin typeface="Times New Roman" pitchFamily="18" charset="0"/>
+                <a:cs typeface="Times New Roman" pitchFamily="18" charset="0"/>
+              </a:rPr>
+              <a:t>trong</a:t>
+            </a:r>
+            <a:r>
+              <a:rPr lang="en-US" sz="1300" b="1" dirty="0" smtClean="0">
+                <a:latin typeface="Times New Roman" pitchFamily="18" charset="0"/>
+                <a:cs typeface="Times New Roman" pitchFamily="18" charset="0"/>
+              </a:rPr>
+              <a:t> </a:t>
+            </a:r>
+            <a:r>
+              <a:rPr lang="en-US" sz="1300" b="1" dirty="0" err="1" smtClean="0">
+                <a:latin typeface="Times New Roman" pitchFamily="18" charset="0"/>
+                <a:cs typeface="Times New Roman" pitchFamily="18" charset="0"/>
+              </a:rPr>
+              <a:t>bài</a:t>
+            </a:r>
+            <a:r>
+              <a:rPr lang="en-US" sz="1300" b="1" dirty="0" smtClean="0">
+                <a:latin typeface="Times New Roman" pitchFamily="18" charset="0"/>
+                <a:cs typeface="Times New Roman" pitchFamily="18" charset="0"/>
+              </a:rPr>
+              <a:t> </a:t>
+            </a:r>
+            <a:r>
+              <a:rPr lang="en-US" sz="1300" b="1" dirty="0" err="1" smtClean="0">
+                <a:latin typeface="Times New Roman" pitchFamily="18" charset="0"/>
+                <a:cs typeface="Times New Roman" pitchFamily="18" charset="0"/>
+              </a:rPr>
+              <a:t>báo</a:t>
+            </a:r>
+            <a:endParaRPr lang="en-US" sz="1300" b="1" dirty="0" smtClean="0">
+              <a:latin typeface="Times New Roman" pitchFamily="18" charset="0"/>
+              <a:cs typeface="Times New Roman" pitchFamily="18" charset="0"/>
+            </a:endParaRPr>
+          </a:p>
+        </p:txBody>
+      </p:sp>
     </p:spTree>
   </p:cSld>
   <p:clrMapOvr>
@@ -6001,6 +6162,19 @@
               </a:rPr>
               <a:t>Title</a:t>
             </a:r>
+          </a:p>
+          <a:p>
+            <a:pPr algn="ctr"/>
+            <a:r>
+              <a:rPr lang="en-US" sz="1300" b="1" dirty="0" err="1" smtClean="0">
+                <a:solidFill>
+                  <a:schemeClr val="tx1"/>
+                </a:solidFill>
+                <a:latin typeface="Times New Roman" pitchFamily="18" charset="0"/>
+                <a:cs typeface="Times New Roman" pitchFamily="18" charset="0"/>
+              </a:rPr>
+              <a:t>Abtract</a:t>
+            </a:r>
             <a:endParaRPr lang="en-US" sz="1300" b="1" dirty="0">
               <a:solidFill>
                 <a:schemeClr val="tx1"/>
@@ -6443,6 +6617,19 @@
                 <a:cs typeface="Times New Roman" pitchFamily="18" charset="0"/>
               </a:rPr>
               <a:t>Title</a:t>
+            </a:r>
+          </a:p>
+          <a:p>
+            <a:pPr algn="ctr"/>
+            <a:r>
+              <a:rPr lang="en-US" sz="1300" b="1" dirty="0" err="1" smtClean="0">
+                <a:solidFill>
+                  <a:schemeClr val="tx1"/>
+                </a:solidFill>
+                <a:latin typeface="Times New Roman" pitchFamily="18" charset="0"/>
+                <a:cs typeface="Times New Roman" pitchFamily="18" charset="0"/>
+              </a:rPr>
+              <a:t>Abtract</a:t>
             </a:r>
             <a:endParaRPr lang="en-US" sz="1300" b="1" dirty="0">
               <a:solidFill>
@@ -7060,6 +7247,1034 @@
               <a:t>Học</a:t>
             </a:r>
             <a:endParaRPr lang="en-US" b="1" dirty="0" smtClean="0">
+              <a:latin typeface="Times New Roman" pitchFamily="18" charset="0"/>
+              <a:cs typeface="Times New Roman" pitchFamily="18" charset="0"/>
+            </a:endParaRPr>
+          </a:p>
+        </p:txBody>
+      </p:sp>
+    </p:spTree>
+  </p:cSld>
+  <p:clrMapOvr>
+    <a:masterClrMapping/>
+  </p:clrMapOvr>
+  <p:timing>
+    <p:tnLst>
+      <p:par>
+        <p:cTn id="1" dur="indefinite" restart="never" nodeType="tmRoot"/>
+      </p:par>
+    </p:tnLst>
+  </p:timing>
+</p:sld>
+</file>
+
+<file path=ppt/slides/slide4.xml><?xml version="1.0" encoding="utf-8"?>
+<p:sld xmlns:a="http://schemas.openxmlformats.org/drawingml/2006/main" xmlns:r="http://schemas.openxmlformats.org/officeDocument/2006/relationships" xmlns:p="http://schemas.openxmlformats.org/presentationml/2006/main">
+  <p:cSld>
+    <p:spTree>
+      <p:nvGrpSpPr>
+        <p:cNvPr id="1" name=""/>
+        <p:cNvGrpSpPr/>
+        <p:nvPr/>
+      </p:nvGrpSpPr>
+      <p:grpSpPr>
+        <a:xfrm>
+          <a:off x="0" y="0"/>
+          <a:ext cx="0" cy="0"/>
+          <a:chOff x="0" y="0"/>
+          <a:chExt cx="0" cy="0"/>
+        </a:xfrm>
+      </p:grpSpPr>
+      <p:sp>
+        <p:nvSpPr>
+          <p:cNvPr id="21" name="Flowchart: Magnetic Disk 20"/>
+          <p:cNvSpPr/>
+          <p:nvPr/>
+        </p:nvSpPr>
+        <p:spPr>
+          <a:xfrm>
+            <a:off x="228600" y="2133600"/>
+            <a:ext cx="1295400" cy="1752600"/>
+          </a:xfrm>
+          <a:prstGeom prst="flowChartMagneticDisk">
+            <a:avLst/>
+          </a:prstGeom>
+          <a:solidFill>
+            <a:schemeClr val="accent2"/>
+          </a:solidFill>
+        </p:spPr>
+        <p:style>
+          <a:lnRef idx="2">
+            <a:schemeClr val="accent1">
+              <a:shade val="50000"/>
+            </a:schemeClr>
+          </a:lnRef>
+          <a:fillRef idx="1">
+            <a:schemeClr val="accent1"/>
+          </a:fillRef>
+          <a:effectRef idx="0">
+            <a:schemeClr val="accent1"/>
+          </a:effectRef>
+          <a:fontRef idx="minor">
+            <a:schemeClr val="lt1"/>
+          </a:fontRef>
+        </p:style>
+        <p:txBody>
+          <a:bodyPr rtlCol="0" anchor="ctr"/>
+          <a:lstStyle/>
+          <a:p>
+            <a:pPr algn="ctr"/>
+            <a:r>
+              <a:rPr lang="en-US" sz="1400" b="1" dirty="0" smtClean="0">
+                <a:latin typeface="Times New Roman" pitchFamily="18" charset="0"/>
+                <a:cs typeface="Times New Roman" pitchFamily="18" charset="0"/>
+              </a:rPr>
+              <a:t>CSDL</a:t>
+            </a:r>
+          </a:p>
+          <a:p>
+            <a:pPr algn="ctr"/>
+            <a:r>
+              <a:rPr lang="en-US" sz="1400" b="1" dirty="0" err="1" smtClean="0">
+                <a:latin typeface="Times New Roman" pitchFamily="18" charset="0"/>
+                <a:cs typeface="Times New Roman" pitchFamily="18" charset="0"/>
+              </a:rPr>
+              <a:t>Có</a:t>
+            </a:r>
+            <a:r>
+              <a:rPr lang="en-US" sz="1400" b="1" dirty="0" smtClean="0">
+                <a:latin typeface="Times New Roman" pitchFamily="18" charset="0"/>
+                <a:cs typeface="Times New Roman" pitchFamily="18" charset="0"/>
+              </a:rPr>
+              <a:t> </a:t>
+            </a:r>
+            <a:r>
+              <a:rPr lang="en-US" sz="1400" b="1" dirty="0" err="1" smtClean="0">
+                <a:latin typeface="Times New Roman" pitchFamily="18" charset="0"/>
+                <a:cs typeface="Times New Roman" pitchFamily="18" charset="0"/>
+              </a:rPr>
+              <a:t>sẵn</a:t>
+            </a:r>
+            <a:r>
+              <a:rPr lang="en-US" sz="1400" b="1" dirty="0" smtClean="0">
+                <a:latin typeface="Times New Roman" pitchFamily="18" charset="0"/>
+                <a:cs typeface="Times New Roman" pitchFamily="18" charset="0"/>
+              </a:rPr>
+              <a:t> </a:t>
+            </a:r>
+            <a:endParaRPr lang="en-US" sz="1400" b="1" dirty="0">
+              <a:latin typeface="Times New Roman" pitchFamily="18" charset="0"/>
+              <a:cs typeface="Times New Roman" pitchFamily="18" charset="0"/>
+            </a:endParaRPr>
+          </a:p>
+        </p:txBody>
+      </p:sp>
+      <p:sp>
+        <p:nvSpPr>
+          <p:cNvPr id="32" name="Flowchart: Document 31"/>
+          <p:cNvSpPr/>
+          <p:nvPr/>
+        </p:nvSpPr>
+        <p:spPr>
+          <a:xfrm>
+            <a:off x="3048000" y="1981200"/>
+            <a:ext cx="1371600" cy="1905000"/>
+          </a:xfrm>
+          <a:prstGeom prst="flowChartDocument">
+            <a:avLst/>
+          </a:prstGeom>
+          <a:solidFill>
+            <a:schemeClr val="accent1"/>
+          </a:solidFill>
+        </p:spPr>
+        <p:style>
+          <a:lnRef idx="2">
+            <a:schemeClr val="accent1">
+              <a:shade val="50000"/>
+            </a:schemeClr>
+          </a:lnRef>
+          <a:fillRef idx="1">
+            <a:schemeClr val="accent1"/>
+          </a:fillRef>
+          <a:effectRef idx="0">
+            <a:schemeClr val="accent1"/>
+          </a:effectRef>
+          <a:fontRef idx="minor">
+            <a:schemeClr val="lt1"/>
+          </a:fontRef>
+        </p:style>
+        <p:txBody>
+          <a:bodyPr rtlCol="0" anchor="ctr"/>
+          <a:lstStyle/>
+          <a:p>
+            <a:pPr algn="ctr"/>
+            <a:endParaRPr lang="en-US" sz="1300" b="1" dirty="0">
+              <a:solidFill>
+                <a:schemeClr val="tx1"/>
+              </a:solidFill>
+              <a:latin typeface="Times New Roman" pitchFamily="18" charset="0"/>
+              <a:cs typeface="Times New Roman" pitchFamily="18" charset="0"/>
+            </a:endParaRPr>
+          </a:p>
+        </p:txBody>
+      </p:sp>
+      <p:sp>
+        <p:nvSpPr>
+          <p:cNvPr id="33" name="Rectangle 32"/>
+          <p:cNvSpPr/>
+          <p:nvPr/>
+        </p:nvSpPr>
+        <p:spPr>
+          <a:xfrm>
+            <a:off x="2667000" y="1524000"/>
+            <a:ext cx="2090637" cy="292388"/>
+          </a:xfrm>
+          <a:prstGeom prst="rect">
+            <a:avLst/>
+          </a:prstGeom>
+        </p:spPr>
+        <p:txBody>
+          <a:bodyPr wrap="none">
+            <a:spAutoFit/>
+          </a:bodyPr>
+          <a:lstStyle/>
+          <a:p>
+            <a:pPr algn="ctr"/>
+            <a:r>
+              <a:rPr lang="en-US" sz="1300" b="1" dirty="0" err="1" smtClean="0">
+                <a:latin typeface="Times New Roman" pitchFamily="18" charset="0"/>
+                <a:cs typeface="Times New Roman" pitchFamily="18" charset="0"/>
+              </a:rPr>
+              <a:t>Bài</a:t>
+            </a:r>
+            <a:r>
+              <a:rPr lang="en-US" sz="1300" b="1" dirty="0" smtClean="0">
+                <a:latin typeface="Times New Roman" pitchFamily="18" charset="0"/>
+                <a:cs typeface="Times New Roman" pitchFamily="18" charset="0"/>
+              </a:rPr>
+              <a:t> </a:t>
+            </a:r>
+            <a:r>
+              <a:rPr lang="en-US" sz="1300" b="1" dirty="0" err="1" smtClean="0">
+                <a:latin typeface="Times New Roman" pitchFamily="18" charset="0"/>
+                <a:cs typeface="Times New Roman" pitchFamily="18" charset="0"/>
+              </a:rPr>
+              <a:t>báo</a:t>
+            </a:r>
+            <a:r>
+              <a:rPr lang="en-US" sz="1300" b="1" dirty="0" smtClean="0">
+                <a:latin typeface="Times New Roman" pitchFamily="18" charset="0"/>
+                <a:cs typeface="Times New Roman" pitchFamily="18" charset="0"/>
+              </a:rPr>
+              <a:t> </a:t>
+            </a:r>
+            <a:r>
+              <a:rPr lang="en-US" sz="1300" b="1" dirty="0" err="1" smtClean="0">
+                <a:latin typeface="Times New Roman" pitchFamily="18" charset="0"/>
+                <a:cs typeface="Times New Roman" pitchFamily="18" charset="0"/>
+              </a:rPr>
+              <a:t>khoa</a:t>
+            </a:r>
+            <a:r>
+              <a:rPr lang="en-US" sz="1300" b="1" dirty="0" smtClean="0">
+                <a:latin typeface="Times New Roman" pitchFamily="18" charset="0"/>
+                <a:cs typeface="Times New Roman" pitchFamily="18" charset="0"/>
+              </a:rPr>
+              <a:t> </a:t>
+            </a:r>
+            <a:r>
+              <a:rPr lang="en-US" sz="1300" b="1" dirty="0" err="1" smtClean="0">
+                <a:latin typeface="Times New Roman" pitchFamily="18" charset="0"/>
+                <a:cs typeface="Times New Roman" pitchFamily="18" charset="0"/>
+              </a:rPr>
+              <a:t>học</a:t>
+            </a:r>
+            <a:r>
+              <a:rPr lang="en-US" sz="1300" b="1" dirty="0" smtClean="0">
+                <a:latin typeface="Times New Roman" pitchFamily="18" charset="0"/>
+                <a:cs typeface="Times New Roman" pitchFamily="18" charset="0"/>
+              </a:rPr>
+              <a:t> </a:t>
+            </a:r>
+            <a:r>
+              <a:rPr lang="en-US" sz="1300" b="1" dirty="0" err="1" smtClean="0">
+                <a:latin typeface="Times New Roman" pitchFamily="18" charset="0"/>
+                <a:cs typeface="Times New Roman" pitchFamily="18" charset="0"/>
+              </a:rPr>
+              <a:t>máy</a:t>
+            </a:r>
+            <a:r>
+              <a:rPr lang="en-US" sz="1300" b="1" dirty="0" smtClean="0">
+                <a:latin typeface="Times New Roman" pitchFamily="18" charset="0"/>
+                <a:cs typeface="Times New Roman" pitchFamily="18" charset="0"/>
+              </a:rPr>
+              <a:t> </a:t>
+            </a:r>
+            <a:r>
+              <a:rPr lang="en-US" sz="1300" b="1" dirty="0" err="1" smtClean="0">
+                <a:latin typeface="Times New Roman" pitchFamily="18" charset="0"/>
+                <a:cs typeface="Times New Roman" pitchFamily="18" charset="0"/>
+              </a:rPr>
+              <a:t>tính</a:t>
+            </a:r>
+            <a:endParaRPr lang="en-US" sz="1300" b="1" dirty="0" smtClean="0">
+              <a:latin typeface="Times New Roman" pitchFamily="18" charset="0"/>
+              <a:cs typeface="Times New Roman" pitchFamily="18" charset="0"/>
+            </a:endParaRPr>
+          </a:p>
+        </p:txBody>
+      </p:sp>
+      <p:sp>
+        <p:nvSpPr>
+          <p:cNvPr id="35" name="Flowchart: Document 34"/>
+          <p:cNvSpPr/>
+          <p:nvPr/>
+        </p:nvSpPr>
+        <p:spPr>
+          <a:xfrm>
+            <a:off x="3276600" y="2133600"/>
+            <a:ext cx="1371600" cy="1905000"/>
+          </a:xfrm>
+          <a:prstGeom prst="flowChartDocument">
+            <a:avLst/>
+          </a:prstGeom>
+          <a:solidFill>
+            <a:schemeClr val="accent1"/>
+          </a:solidFill>
+        </p:spPr>
+        <p:style>
+          <a:lnRef idx="2">
+            <a:schemeClr val="accent1">
+              <a:shade val="50000"/>
+            </a:schemeClr>
+          </a:lnRef>
+          <a:fillRef idx="1">
+            <a:schemeClr val="accent1"/>
+          </a:fillRef>
+          <a:effectRef idx="0">
+            <a:schemeClr val="accent1"/>
+          </a:effectRef>
+          <a:fontRef idx="minor">
+            <a:schemeClr val="lt1"/>
+          </a:fontRef>
+        </p:style>
+        <p:txBody>
+          <a:bodyPr rtlCol="0" anchor="ctr"/>
+          <a:lstStyle/>
+          <a:p>
+            <a:pPr algn="ctr"/>
+            <a:r>
+              <a:rPr lang="en-US" sz="1300" b="1" dirty="0" smtClean="0">
+                <a:solidFill>
+                  <a:schemeClr val="tx1"/>
+                </a:solidFill>
+                <a:latin typeface="Times New Roman" pitchFamily="18" charset="0"/>
+                <a:cs typeface="Times New Roman" pitchFamily="18" charset="0"/>
+              </a:rPr>
+              <a:t>Metadata</a:t>
+            </a:r>
+          </a:p>
+        </p:txBody>
+      </p:sp>
+      <p:sp>
+        <p:nvSpPr>
+          <p:cNvPr id="40" name="Rectangle 39"/>
+          <p:cNvSpPr/>
+          <p:nvPr/>
+        </p:nvSpPr>
+        <p:spPr>
+          <a:xfrm>
+            <a:off x="5562600" y="1676400"/>
+            <a:ext cx="1752600" cy="4572000"/>
+          </a:xfrm>
+          <a:prstGeom prst="rect">
+            <a:avLst/>
+          </a:prstGeom>
+          <a:noFill/>
+          <a:ln>
+            <a:prstDash val="lgDash"/>
+          </a:ln>
+        </p:spPr>
+        <p:style>
+          <a:lnRef idx="2">
+            <a:schemeClr val="accent1">
+              <a:shade val="50000"/>
+            </a:schemeClr>
+          </a:lnRef>
+          <a:fillRef idx="1">
+            <a:schemeClr val="accent1"/>
+          </a:fillRef>
+          <a:effectRef idx="0">
+            <a:schemeClr val="accent1"/>
+          </a:effectRef>
+          <a:fontRef idx="minor">
+            <a:schemeClr val="lt1"/>
+          </a:fontRef>
+        </p:style>
+        <p:txBody>
+          <a:bodyPr rtlCol="0" anchor="ctr"/>
+          <a:lstStyle/>
+          <a:p>
+            <a:pPr algn="ctr"/>
+            <a:r>
+              <a:rPr lang="en-US" sz="1300" b="1" dirty="0" err="1" smtClean="0">
+                <a:solidFill>
+                  <a:schemeClr val="tx1"/>
+                </a:solidFill>
+                <a:latin typeface="Times New Roman" pitchFamily="18" charset="0"/>
+                <a:cs typeface="Times New Roman" pitchFamily="18" charset="0"/>
+              </a:rPr>
+              <a:t>Tác</a:t>
+            </a:r>
+            <a:r>
+              <a:rPr lang="en-US" sz="1300" b="1" dirty="0" smtClean="0">
+                <a:solidFill>
+                  <a:schemeClr val="tx1"/>
+                </a:solidFill>
+                <a:latin typeface="Times New Roman" pitchFamily="18" charset="0"/>
+                <a:cs typeface="Times New Roman" pitchFamily="18" charset="0"/>
+              </a:rPr>
+              <a:t> </a:t>
+            </a:r>
+            <a:r>
+              <a:rPr lang="en-US" sz="1300" b="1" dirty="0" err="1" smtClean="0">
+                <a:solidFill>
+                  <a:schemeClr val="tx1"/>
+                </a:solidFill>
+                <a:latin typeface="Times New Roman" pitchFamily="18" charset="0"/>
+                <a:cs typeface="Times New Roman" pitchFamily="18" charset="0"/>
+              </a:rPr>
+              <a:t>giả</a:t>
+            </a:r>
+            <a:endParaRPr lang="en-US" sz="1300" b="1" dirty="0" smtClean="0">
+              <a:solidFill>
+                <a:schemeClr val="tx1"/>
+              </a:solidFill>
+              <a:latin typeface="Times New Roman" pitchFamily="18" charset="0"/>
+              <a:cs typeface="Times New Roman" pitchFamily="18" charset="0"/>
+            </a:endParaRPr>
+          </a:p>
+          <a:p>
+            <a:pPr algn="ctr"/>
+            <a:endParaRPr lang="en-US" sz="1300" b="1" dirty="0" smtClean="0">
+              <a:solidFill>
+                <a:schemeClr val="tx1"/>
+              </a:solidFill>
+              <a:latin typeface="Times New Roman" pitchFamily="18" charset="0"/>
+              <a:cs typeface="Times New Roman" pitchFamily="18" charset="0"/>
+            </a:endParaRPr>
+          </a:p>
+          <a:p>
+            <a:pPr algn="ctr"/>
+            <a:endParaRPr lang="en-US" sz="1300" b="1" dirty="0" smtClean="0">
+              <a:solidFill>
+                <a:schemeClr val="tx1"/>
+              </a:solidFill>
+              <a:latin typeface="Times New Roman" pitchFamily="18" charset="0"/>
+              <a:cs typeface="Times New Roman" pitchFamily="18" charset="0"/>
+            </a:endParaRPr>
+          </a:p>
+          <a:p>
+            <a:pPr algn="ctr"/>
+            <a:r>
+              <a:rPr lang="en-US" sz="1300" b="1" dirty="0" err="1" smtClean="0">
+                <a:solidFill>
+                  <a:schemeClr val="tx1"/>
+                </a:solidFill>
+                <a:latin typeface="Times New Roman" pitchFamily="18" charset="0"/>
+                <a:cs typeface="Times New Roman" pitchFamily="18" charset="0"/>
+              </a:rPr>
+              <a:t>Hội</a:t>
+            </a:r>
+            <a:r>
+              <a:rPr lang="en-US" sz="1300" b="1" dirty="0" smtClean="0">
+                <a:solidFill>
+                  <a:schemeClr val="tx1"/>
+                </a:solidFill>
+                <a:latin typeface="Times New Roman" pitchFamily="18" charset="0"/>
+                <a:cs typeface="Times New Roman" pitchFamily="18" charset="0"/>
+              </a:rPr>
+              <a:t> </a:t>
+            </a:r>
+            <a:r>
+              <a:rPr lang="en-US" sz="1300" b="1" dirty="0" err="1" smtClean="0">
+                <a:solidFill>
+                  <a:schemeClr val="tx1"/>
+                </a:solidFill>
+                <a:latin typeface="Times New Roman" pitchFamily="18" charset="0"/>
+                <a:cs typeface="Times New Roman" pitchFamily="18" charset="0"/>
+              </a:rPr>
+              <a:t>nghị</a:t>
+            </a:r>
+            <a:endParaRPr lang="en-US" sz="1300" b="1" dirty="0" smtClean="0">
+              <a:solidFill>
+                <a:schemeClr val="tx1"/>
+              </a:solidFill>
+              <a:latin typeface="Times New Roman" pitchFamily="18" charset="0"/>
+              <a:cs typeface="Times New Roman" pitchFamily="18" charset="0"/>
+            </a:endParaRPr>
+          </a:p>
+          <a:p>
+            <a:pPr algn="ctr"/>
+            <a:endParaRPr lang="en-US" sz="1300" b="1" dirty="0" smtClean="0">
+              <a:solidFill>
+                <a:schemeClr val="tx1"/>
+              </a:solidFill>
+              <a:latin typeface="Times New Roman" pitchFamily="18" charset="0"/>
+              <a:cs typeface="Times New Roman" pitchFamily="18" charset="0"/>
+            </a:endParaRPr>
+          </a:p>
+          <a:p>
+            <a:pPr algn="ctr"/>
+            <a:endParaRPr lang="en-US" sz="1300" b="1" dirty="0" smtClean="0">
+              <a:solidFill>
+                <a:schemeClr val="tx1"/>
+              </a:solidFill>
+              <a:latin typeface="Times New Roman" pitchFamily="18" charset="0"/>
+              <a:cs typeface="Times New Roman" pitchFamily="18" charset="0"/>
+            </a:endParaRPr>
+          </a:p>
+          <a:p>
+            <a:pPr algn="ctr"/>
+            <a:r>
+              <a:rPr lang="en-US" sz="1300" b="1" dirty="0" err="1" smtClean="0">
+                <a:solidFill>
+                  <a:schemeClr val="tx1"/>
+                </a:solidFill>
+                <a:latin typeface="Times New Roman" pitchFamily="18" charset="0"/>
+                <a:cs typeface="Times New Roman" pitchFamily="18" charset="0"/>
+              </a:rPr>
+              <a:t>Năm</a:t>
+            </a:r>
+            <a:endParaRPr lang="en-US" sz="1300" b="1" dirty="0" smtClean="0">
+              <a:solidFill>
+                <a:schemeClr val="tx1"/>
+              </a:solidFill>
+              <a:latin typeface="Times New Roman" pitchFamily="18" charset="0"/>
+              <a:cs typeface="Times New Roman" pitchFamily="18" charset="0"/>
+            </a:endParaRPr>
+          </a:p>
+          <a:p>
+            <a:pPr algn="ctr"/>
+            <a:endParaRPr lang="en-US" sz="1300" b="1" dirty="0" smtClean="0">
+              <a:solidFill>
+                <a:schemeClr val="tx1"/>
+              </a:solidFill>
+              <a:latin typeface="Times New Roman" pitchFamily="18" charset="0"/>
+              <a:cs typeface="Times New Roman" pitchFamily="18" charset="0"/>
+            </a:endParaRPr>
+          </a:p>
+          <a:p>
+            <a:pPr algn="ctr"/>
+            <a:endParaRPr lang="en-US" sz="1300" b="1" dirty="0" smtClean="0">
+              <a:solidFill>
+                <a:schemeClr val="tx1"/>
+              </a:solidFill>
+              <a:latin typeface="Times New Roman" pitchFamily="18" charset="0"/>
+              <a:cs typeface="Times New Roman" pitchFamily="18" charset="0"/>
+            </a:endParaRPr>
+          </a:p>
+          <a:p>
+            <a:pPr algn="ctr"/>
+            <a:endParaRPr lang="en-US" sz="1300" b="1" dirty="0" smtClean="0">
+              <a:solidFill>
+                <a:schemeClr val="tx1"/>
+              </a:solidFill>
+              <a:latin typeface="Times New Roman" pitchFamily="18" charset="0"/>
+              <a:cs typeface="Times New Roman" pitchFamily="18" charset="0"/>
+            </a:endParaRPr>
+          </a:p>
+          <a:p>
+            <a:pPr algn="ctr"/>
+            <a:endParaRPr lang="en-US" sz="1300" b="1" dirty="0" smtClean="0">
+              <a:solidFill>
+                <a:schemeClr val="tx1"/>
+              </a:solidFill>
+              <a:latin typeface="Times New Roman" pitchFamily="18" charset="0"/>
+              <a:cs typeface="Times New Roman" pitchFamily="18" charset="0"/>
+            </a:endParaRPr>
+          </a:p>
+          <a:p>
+            <a:pPr algn="ctr"/>
+            <a:r>
+              <a:rPr lang="en-US" sz="1300" b="1" dirty="0" smtClean="0">
+                <a:solidFill>
+                  <a:schemeClr val="tx1"/>
+                </a:solidFill>
+                <a:latin typeface="Times New Roman" pitchFamily="18" charset="0"/>
+                <a:cs typeface="Times New Roman" pitchFamily="18" charset="0"/>
+              </a:rPr>
+              <a:t>Reference</a:t>
+            </a:r>
+          </a:p>
+          <a:p>
+            <a:pPr algn="ctr"/>
+            <a:endParaRPr lang="en-US" sz="1300" b="1" dirty="0" smtClean="0">
+              <a:solidFill>
+                <a:schemeClr val="tx1"/>
+              </a:solidFill>
+              <a:latin typeface="Times New Roman" pitchFamily="18" charset="0"/>
+              <a:cs typeface="Times New Roman" pitchFamily="18" charset="0"/>
+            </a:endParaRPr>
+          </a:p>
+          <a:p>
+            <a:pPr algn="ctr"/>
+            <a:r>
+              <a:rPr lang="en-US" sz="1300" b="1" dirty="0" smtClean="0">
+                <a:solidFill>
+                  <a:schemeClr val="tx1"/>
+                </a:solidFill>
+                <a:latin typeface="Times New Roman" pitchFamily="18" charset="0"/>
+                <a:cs typeface="Times New Roman" pitchFamily="18" charset="0"/>
+              </a:rPr>
+              <a:t>Title</a:t>
+            </a:r>
+          </a:p>
+          <a:p>
+            <a:pPr algn="ctr"/>
+            <a:endParaRPr lang="en-US" sz="1300" b="1" dirty="0" smtClean="0">
+              <a:solidFill>
+                <a:schemeClr val="tx1"/>
+              </a:solidFill>
+              <a:latin typeface="Times New Roman" pitchFamily="18" charset="0"/>
+              <a:cs typeface="Times New Roman" pitchFamily="18" charset="0"/>
+            </a:endParaRPr>
+          </a:p>
+          <a:p>
+            <a:pPr algn="ctr"/>
+            <a:endParaRPr lang="en-US" sz="1300" b="1" dirty="0" smtClean="0">
+              <a:solidFill>
+                <a:schemeClr val="tx1"/>
+              </a:solidFill>
+              <a:latin typeface="Times New Roman" pitchFamily="18" charset="0"/>
+              <a:cs typeface="Times New Roman" pitchFamily="18" charset="0"/>
+            </a:endParaRPr>
+          </a:p>
+          <a:p>
+            <a:pPr algn="ctr"/>
+            <a:endParaRPr lang="en-US" sz="1300" b="1" dirty="0" smtClean="0">
+              <a:solidFill>
+                <a:schemeClr val="tx1"/>
+              </a:solidFill>
+              <a:latin typeface="Times New Roman" pitchFamily="18" charset="0"/>
+              <a:cs typeface="Times New Roman" pitchFamily="18" charset="0"/>
+            </a:endParaRPr>
+          </a:p>
+          <a:p>
+            <a:pPr algn="ctr"/>
+            <a:endParaRPr lang="en-US" sz="1300" b="1" dirty="0" smtClean="0">
+              <a:solidFill>
+                <a:schemeClr val="tx1"/>
+              </a:solidFill>
+              <a:latin typeface="Times New Roman" pitchFamily="18" charset="0"/>
+              <a:cs typeface="Times New Roman" pitchFamily="18" charset="0"/>
+            </a:endParaRPr>
+          </a:p>
+          <a:p>
+            <a:pPr algn="ctr"/>
+            <a:endParaRPr lang="en-US" sz="1300" b="1" dirty="0">
+              <a:solidFill>
+                <a:schemeClr val="tx1"/>
+              </a:solidFill>
+              <a:latin typeface="Times New Roman" pitchFamily="18" charset="0"/>
+              <a:cs typeface="Times New Roman" pitchFamily="18" charset="0"/>
+            </a:endParaRPr>
+          </a:p>
+        </p:txBody>
+      </p:sp>
+      <p:cxnSp>
+        <p:nvCxnSpPr>
+          <p:cNvPr id="41" name="Straight Arrow Connector 40"/>
+          <p:cNvCxnSpPr/>
+          <p:nvPr/>
+        </p:nvCxnSpPr>
+        <p:spPr>
+          <a:xfrm flipV="1">
+            <a:off x="4419600" y="2209800"/>
+            <a:ext cx="1676400" cy="685800"/>
+          </a:xfrm>
+          <a:prstGeom prst="straightConnector1">
+            <a:avLst/>
+          </a:prstGeom>
+          <a:ln>
+            <a:solidFill>
+              <a:srgbClr val="FF0000"/>
+            </a:solidFill>
+            <a:tailEnd type="arrow"/>
+          </a:ln>
+        </p:spPr>
+        <p:style>
+          <a:lnRef idx="1">
+            <a:schemeClr val="accent1"/>
+          </a:lnRef>
+          <a:fillRef idx="0">
+            <a:schemeClr val="accent1"/>
+          </a:fillRef>
+          <a:effectRef idx="0">
+            <a:schemeClr val="accent1"/>
+          </a:effectRef>
+          <a:fontRef idx="minor">
+            <a:schemeClr val="tx1"/>
+          </a:fontRef>
+        </p:style>
+      </p:cxnSp>
+      <p:cxnSp>
+        <p:nvCxnSpPr>
+          <p:cNvPr id="42" name="Straight Arrow Connector 41"/>
+          <p:cNvCxnSpPr/>
+          <p:nvPr/>
+        </p:nvCxnSpPr>
+        <p:spPr>
+          <a:xfrm flipV="1">
+            <a:off x="4419600" y="2743200"/>
+            <a:ext cx="1600200" cy="152400"/>
+          </a:xfrm>
+          <a:prstGeom prst="straightConnector1">
+            <a:avLst/>
+          </a:prstGeom>
+          <a:ln>
+            <a:solidFill>
+              <a:srgbClr val="FF0000"/>
+            </a:solidFill>
+            <a:tailEnd type="arrow"/>
+          </a:ln>
+        </p:spPr>
+        <p:style>
+          <a:lnRef idx="1">
+            <a:schemeClr val="accent1"/>
+          </a:lnRef>
+          <a:fillRef idx="0">
+            <a:schemeClr val="accent1"/>
+          </a:fillRef>
+          <a:effectRef idx="0">
+            <a:schemeClr val="accent1"/>
+          </a:effectRef>
+          <a:fontRef idx="minor">
+            <a:schemeClr val="tx1"/>
+          </a:fontRef>
+        </p:style>
+      </p:cxnSp>
+      <p:cxnSp>
+        <p:nvCxnSpPr>
+          <p:cNvPr id="44" name="Straight Arrow Connector 43"/>
+          <p:cNvCxnSpPr/>
+          <p:nvPr/>
+        </p:nvCxnSpPr>
+        <p:spPr>
+          <a:xfrm>
+            <a:off x="4343400" y="2971800"/>
+            <a:ext cx="1752600" cy="381000"/>
+          </a:xfrm>
+          <a:prstGeom prst="straightConnector1">
+            <a:avLst/>
+          </a:prstGeom>
+          <a:ln>
+            <a:solidFill>
+              <a:srgbClr val="FF0000"/>
+            </a:solidFill>
+            <a:tailEnd type="arrow"/>
+          </a:ln>
+        </p:spPr>
+        <p:style>
+          <a:lnRef idx="1">
+            <a:schemeClr val="accent1"/>
+          </a:lnRef>
+          <a:fillRef idx="0">
+            <a:schemeClr val="accent1"/>
+          </a:fillRef>
+          <a:effectRef idx="0">
+            <a:schemeClr val="accent1"/>
+          </a:effectRef>
+          <a:fontRef idx="minor">
+            <a:schemeClr val="tx1"/>
+          </a:fontRef>
+        </p:style>
+      </p:cxnSp>
+      <p:cxnSp>
+        <p:nvCxnSpPr>
+          <p:cNvPr id="46" name="Straight Arrow Connector 45"/>
+          <p:cNvCxnSpPr/>
+          <p:nvPr/>
+        </p:nvCxnSpPr>
+        <p:spPr>
+          <a:xfrm>
+            <a:off x="4419600" y="3048000"/>
+            <a:ext cx="1447800" cy="1295400"/>
+          </a:xfrm>
+          <a:prstGeom prst="straightConnector1">
+            <a:avLst/>
+          </a:prstGeom>
+          <a:ln>
+            <a:solidFill>
+              <a:srgbClr val="FF0000"/>
+            </a:solidFill>
+            <a:tailEnd type="arrow"/>
+          </a:ln>
+        </p:spPr>
+        <p:style>
+          <a:lnRef idx="1">
+            <a:schemeClr val="accent1"/>
+          </a:lnRef>
+          <a:fillRef idx="0">
+            <a:schemeClr val="accent1"/>
+          </a:fillRef>
+          <a:effectRef idx="0">
+            <a:schemeClr val="accent1"/>
+          </a:effectRef>
+          <a:fontRef idx="minor">
+            <a:schemeClr val="tx1"/>
+          </a:fontRef>
+        </p:style>
+      </p:cxnSp>
+      <p:cxnSp>
+        <p:nvCxnSpPr>
+          <p:cNvPr id="47" name="Straight Arrow Connector 46"/>
+          <p:cNvCxnSpPr/>
+          <p:nvPr/>
+        </p:nvCxnSpPr>
+        <p:spPr>
+          <a:xfrm rot="16200000" flipH="1">
+            <a:off x="4229100" y="3162300"/>
+            <a:ext cx="1752600" cy="1676400"/>
+          </a:xfrm>
+          <a:prstGeom prst="straightConnector1">
+            <a:avLst/>
+          </a:prstGeom>
+          <a:ln>
+            <a:solidFill>
+              <a:srgbClr val="FF0000"/>
+            </a:solidFill>
+            <a:tailEnd type="arrow"/>
+          </a:ln>
+        </p:spPr>
+        <p:style>
+          <a:lnRef idx="1">
+            <a:schemeClr val="accent1"/>
+          </a:lnRef>
+          <a:fillRef idx="0">
+            <a:schemeClr val="accent1"/>
+          </a:fillRef>
+          <a:effectRef idx="0">
+            <a:schemeClr val="accent1"/>
+          </a:effectRef>
+          <a:fontRef idx="minor">
+            <a:schemeClr val="tx1"/>
+          </a:fontRef>
+        </p:style>
+      </p:cxnSp>
+      <p:sp>
+        <p:nvSpPr>
+          <p:cNvPr id="48" name="Rectangle 47"/>
+          <p:cNvSpPr/>
+          <p:nvPr/>
+        </p:nvSpPr>
+        <p:spPr>
+          <a:xfrm>
+            <a:off x="5453163" y="1295400"/>
+            <a:ext cx="1879232" cy="292388"/>
+          </a:xfrm>
+          <a:prstGeom prst="rect">
+            <a:avLst/>
+          </a:prstGeom>
+        </p:spPr>
+        <p:txBody>
+          <a:bodyPr wrap="none">
+            <a:spAutoFit/>
+          </a:bodyPr>
+          <a:lstStyle/>
+          <a:p>
+            <a:pPr algn="ctr"/>
+            <a:r>
+              <a:rPr lang="en-US" sz="1300" b="1" dirty="0" err="1" smtClean="0">
+                <a:latin typeface="Times New Roman" pitchFamily="18" charset="0"/>
+                <a:cs typeface="Times New Roman" pitchFamily="18" charset="0"/>
+              </a:rPr>
+              <a:t>Thông</a:t>
+            </a:r>
+            <a:r>
+              <a:rPr lang="en-US" sz="1300" b="1" dirty="0" smtClean="0">
+                <a:latin typeface="Times New Roman" pitchFamily="18" charset="0"/>
+                <a:cs typeface="Times New Roman" pitchFamily="18" charset="0"/>
+              </a:rPr>
+              <a:t> tin </a:t>
+            </a:r>
+            <a:r>
+              <a:rPr lang="en-US" sz="1300" b="1" dirty="0" err="1" smtClean="0">
+                <a:latin typeface="Times New Roman" pitchFamily="18" charset="0"/>
+                <a:cs typeface="Times New Roman" pitchFamily="18" charset="0"/>
+              </a:rPr>
+              <a:t>trong</a:t>
+            </a:r>
+            <a:r>
+              <a:rPr lang="en-US" sz="1300" b="1" dirty="0" smtClean="0">
+                <a:latin typeface="Times New Roman" pitchFamily="18" charset="0"/>
+                <a:cs typeface="Times New Roman" pitchFamily="18" charset="0"/>
+              </a:rPr>
+              <a:t> </a:t>
+            </a:r>
+            <a:r>
+              <a:rPr lang="en-US" sz="1300" b="1" dirty="0" err="1" smtClean="0">
+                <a:latin typeface="Times New Roman" pitchFamily="18" charset="0"/>
+                <a:cs typeface="Times New Roman" pitchFamily="18" charset="0"/>
+              </a:rPr>
+              <a:t>bài</a:t>
+            </a:r>
+            <a:r>
+              <a:rPr lang="en-US" sz="1300" b="1" dirty="0" smtClean="0">
+                <a:latin typeface="Times New Roman" pitchFamily="18" charset="0"/>
+                <a:cs typeface="Times New Roman" pitchFamily="18" charset="0"/>
+              </a:rPr>
+              <a:t> </a:t>
+            </a:r>
+            <a:r>
+              <a:rPr lang="en-US" sz="1300" b="1" dirty="0" err="1" smtClean="0">
+                <a:latin typeface="Times New Roman" pitchFamily="18" charset="0"/>
+                <a:cs typeface="Times New Roman" pitchFamily="18" charset="0"/>
+              </a:rPr>
+              <a:t>báo</a:t>
+            </a:r>
+            <a:endParaRPr lang="en-US" sz="1300" b="1" dirty="0" smtClean="0">
+              <a:latin typeface="Times New Roman" pitchFamily="18" charset="0"/>
+              <a:cs typeface="Times New Roman" pitchFamily="18" charset="0"/>
+            </a:endParaRPr>
+          </a:p>
+        </p:txBody>
+      </p:sp>
+      <p:sp>
+        <p:nvSpPr>
+          <p:cNvPr id="49" name="Right Arrow 48"/>
+          <p:cNvSpPr/>
+          <p:nvPr/>
+        </p:nvSpPr>
+        <p:spPr>
+          <a:xfrm>
+            <a:off x="1524000" y="2895600"/>
+            <a:ext cx="1447800" cy="152400"/>
+          </a:xfrm>
+          <a:prstGeom prst="rightArrow">
+            <a:avLst/>
+          </a:prstGeom>
+        </p:spPr>
+        <p:style>
+          <a:lnRef idx="2">
+            <a:schemeClr val="accent1">
+              <a:shade val="50000"/>
+            </a:schemeClr>
+          </a:lnRef>
+          <a:fillRef idx="1">
+            <a:schemeClr val="accent1"/>
+          </a:fillRef>
+          <a:effectRef idx="0">
+            <a:schemeClr val="accent1"/>
+          </a:effectRef>
+          <a:fontRef idx="minor">
+            <a:schemeClr val="lt1"/>
+          </a:fontRef>
+        </p:style>
+        <p:txBody>
+          <a:bodyPr rtlCol="0" anchor="ctr"/>
+          <a:lstStyle/>
+          <a:p>
+            <a:pPr algn="ctr"/>
+            <a:endParaRPr lang="en-US"/>
+          </a:p>
+        </p:txBody>
+      </p:sp>
+      <p:sp>
+        <p:nvSpPr>
+          <p:cNvPr id="53" name="TextBox 52"/>
+          <p:cNvSpPr txBox="1"/>
+          <p:nvPr/>
+        </p:nvSpPr>
+        <p:spPr>
+          <a:xfrm>
+            <a:off x="1752600" y="2514600"/>
+            <a:ext cx="685800" cy="369332"/>
+          </a:xfrm>
+          <a:prstGeom prst="rect">
+            <a:avLst/>
+          </a:prstGeom>
+          <a:noFill/>
+        </p:spPr>
+        <p:txBody>
+          <a:bodyPr wrap="square" rtlCol="0">
+            <a:spAutoFit/>
+          </a:bodyPr>
+          <a:lstStyle/>
+          <a:p>
+            <a:r>
+              <a:rPr lang="en-US" dirty="0" err="1" smtClean="0"/>
+              <a:t>Rút</a:t>
+            </a:r>
+            <a:endParaRPr lang="en-US" dirty="0"/>
+          </a:p>
+        </p:txBody>
+      </p:sp>
+      <p:sp>
+        <p:nvSpPr>
+          <p:cNvPr id="54" name="TextBox 53"/>
+          <p:cNvSpPr txBox="1"/>
+          <p:nvPr/>
+        </p:nvSpPr>
+        <p:spPr>
+          <a:xfrm>
+            <a:off x="2590800" y="6248400"/>
+            <a:ext cx="2771913" cy="369332"/>
+          </a:xfrm>
+          <a:prstGeom prst="rect">
+            <a:avLst/>
+          </a:prstGeom>
+          <a:noFill/>
+        </p:spPr>
+        <p:txBody>
+          <a:bodyPr wrap="none" rtlCol="0">
+            <a:spAutoFit/>
+          </a:bodyPr>
+          <a:lstStyle/>
+          <a:p>
+            <a:r>
+              <a:rPr lang="en-US" b="1" dirty="0" smtClean="0">
+                <a:latin typeface="Times New Roman" pitchFamily="18" charset="0"/>
+                <a:cs typeface="Times New Roman" pitchFamily="18" charset="0"/>
+              </a:rPr>
+              <a:t>(3) </a:t>
+            </a:r>
+            <a:r>
+              <a:rPr lang="en-US" b="1" dirty="0" smtClean="0">
+                <a:latin typeface="Times New Roman" pitchFamily="18" charset="0"/>
+                <a:cs typeface="Times New Roman" pitchFamily="18" charset="0"/>
+              </a:rPr>
+              <a:t>Module </a:t>
+            </a:r>
+            <a:r>
+              <a:rPr lang="en-US" b="1" dirty="0" smtClean="0">
+                <a:latin typeface="Times New Roman" pitchFamily="18" charset="0"/>
+                <a:cs typeface="Times New Roman" pitchFamily="18" charset="0"/>
+              </a:rPr>
+              <a:t>Import </a:t>
+            </a:r>
+            <a:r>
+              <a:rPr lang="en-US" b="1" dirty="0" err="1" smtClean="0">
+                <a:latin typeface="Times New Roman" pitchFamily="18" charset="0"/>
+                <a:cs typeface="Times New Roman" pitchFamily="18" charset="0"/>
+              </a:rPr>
+              <a:t>dữ</a:t>
+            </a:r>
+            <a:r>
+              <a:rPr lang="en-US" b="1" dirty="0" smtClean="0">
+                <a:latin typeface="Times New Roman" pitchFamily="18" charset="0"/>
+                <a:cs typeface="Times New Roman" pitchFamily="18" charset="0"/>
+              </a:rPr>
+              <a:t> </a:t>
+            </a:r>
+            <a:r>
+              <a:rPr lang="en-US" b="1" dirty="0" err="1" smtClean="0">
+                <a:latin typeface="Times New Roman" pitchFamily="18" charset="0"/>
+                <a:cs typeface="Times New Roman" pitchFamily="18" charset="0"/>
+              </a:rPr>
+              <a:t>liệu</a:t>
+            </a:r>
+            <a:endParaRPr lang="en-US" b="1" dirty="0">
               <a:latin typeface="Times New Roman" pitchFamily="18" charset="0"/>
               <a:cs typeface="Times New Roman" pitchFamily="18" charset="0"/>
             </a:endParaRPr>

--- a/Outline thesis/De cuong/Kientrucdetai_26_8.pptx
+++ b/Outline thesis/De cuong/Kientrucdetai_26_8.pptx
@@ -4295,8 +4295,8 @@
         </p:nvSpPr>
         <p:spPr>
           <a:xfrm>
-            <a:off x="0" y="4038600"/>
-            <a:ext cx="1524000" cy="1828800"/>
+            <a:off x="0" y="3962400"/>
+            <a:ext cx="1524000" cy="1524000"/>
           </a:xfrm>
           <a:prstGeom prst="flowChartMagneticDisk">
             <a:avLst/>
@@ -4419,7 +4419,7 @@
         </p:nvSpPr>
         <p:spPr>
           <a:xfrm>
-            <a:off x="1600200" y="3962400"/>
+            <a:off x="1752600" y="3962400"/>
             <a:ext cx="1143000" cy="369332"/>
           </a:xfrm>
           <a:prstGeom prst="rect">
@@ -4468,80 +4468,10 @@
               <a:t>Title, </a:t>
             </a:r>
             <a:r>
-              <a:rPr lang="en-US" sz="1600" dirty="0" err="1" smtClean="0"/>
-              <a:t>Abtrach</a:t>
+              <a:rPr lang="en-US" sz="1600" dirty="0" smtClean="0"/>
+              <a:t>abstract</a:t>
             </a:r>
             <a:endParaRPr lang="en-US" sz="1600" dirty="0"/>
-          </a:p>
-        </p:txBody>
-      </p:sp>
-      <p:sp>
-        <p:nvSpPr>
-          <p:cNvPr id="35" name="Right Arrow 34"/>
-          <p:cNvSpPr/>
-          <p:nvPr/>
-        </p:nvSpPr>
-        <p:spPr>
-          <a:xfrm>
-            <a:off x="1524000" y="5029200"/>
-            <a:ext cx="3962400" cy="228600"/>
-          </a:xfrm>
-          <a:prstGeom prst="rightArrow">
-            <a:avLst/>
-          </a:prstGeom>
-        </p:spPr>
-        <p:style>
-          <a:lnRef idx="2">
-            <a:schemeClr val="accent1">
-              <a:shade val="50000"/>
-            </a:schemeClr>
-          </a:lnRef>
-          <a:fillRef idx="1">
-            <a:schemeClr val="accent1"/>
-          </a:fillRef>
-          <a:effectRef idx="0">
-            <a:schemeClr val="accent1"/>
-          </a:effectRef>
-          <a:fontRef idx="minor">
-            <a:schemeClr val="lt1"/>
-          </a:fontRef>
-        </p:style>
-        <p:txBody>
-          <a:bodyPr rtlCol="0" anchor="ctr"/>
-          <a:lstStyle/>
-          <a:p>
-            <a:pPr algn="ctr"/>
-            <a:endParaRPr lang="en-US"/>
-          </a:p>
-        </p:txBody>
-      </p:sp>
-      <p:sp>
-        <p:nvSpPr>
-          <p:cNvPr id="36" name="TextBox 35"/>
-          <p:cNvSpPr txBox="1"/>
-          <p:nvPr/>
-        </p:nvSpPr>
-        <p:spPr>
-          <a:xfrm>
-            <a:off x="1676400" y="4724400"/>
-            <a:ext cx="1600200" cy="369332"/>
-          </a:xfrm>
-          <a:prstGeom prst="rect">
-            <a:avLst/>
-          </a:prstGeom>
-          <a:noFill/>
-        </p:spPr>
-        <p:txBody>
-          <a:bodyPr wrap="square" rtlCol="0">
-            <a:spAutoFit/>
-          </a:bodyPr>
-          <a:lstStyle/>
-          <a:p>
-            <a:r>
-              <a:rPr lang="en-US" dirty="0" smtClean="0"/>
-              <a:t>Metadata</a:t>
-            </a:r>
-            <a:endParaRPr lang="en-US" dirty="0"/>
           </a:p>
         </p:txBody>
       </p:sp>
@@ -8188,8 +8118,8 @@
         </p:nvSpPr>
         <p:spPr>
           <a:xfrm>
-            <a:off x="1752600" y="2514600"/>
-            <a:ext cx="685800" cy="369332"/>
+            <a:off x="1600200" y="2590800"/>
+            <a:ext cx="1752600" cy="307777"/>
           </a:xfrm>
           <a:prstGeom prst="rect">
             <a:avLst/>
@@ -8203,10 +8133,22 @@
           <a:lstStyle/>
           <a:p>
             <a:r>
-              <a:rPr lang="en-US" dirty="0" err="1" smtClean="0"/>
-              <a:t>Rút</a:t>
-            </a:r>
-            <a:endParaRPr lang="en-US" dirty="0"/>
+              <a:rPr lang="en-US" sz="1400" dirty="0" err="1" smtClean="0"/>
+              <a:t>Lấy</a:t>
+            </a:r>
+            <a:r>
+              <a:rPr lang="en-US" sz="1400" dirty="0" smtClean="0"/>
+              <a:t> </a:t>
+            </a:r>
+            <a:r>
+              <a:rPr lang="en-US" sz="1400" dirty="0" err="1" smtClean="0"/>
+              <a:t>thông</a:t>
+            </a:r>
+            <a:r>
+              <a:rPr lang="en-US" sz="1400" dirty="0" smtClean="0"/>
+              <a:t> Tin</a:t>
+            </a:r>
+            <a:endParaRPr lang="en-US" sz="1400" dirty="0"/>
           </a:p>
         </p:txBody>
       </p:sp>
@@ -8237,21 +8179,7 @@
                 <a:latin typeface="Times New Roman" pitchFamily="18" charset="0"/>
                 <a:cs typeface="Times New Roman" pitchFamily="18" charset="0"/>
               </a:rPr>
-              <a:t>(3) </a:t>
-            </a:r>
-            <a:r>
-              <a:rPr lang="en-US" b="1" dirty="0" smtClean="0">
-                <a:latin typeface="Times New Roman" pitchFamily="18" charset="0"/>
-                <a:cs typeface="Times New Roman" pitchFamily="18" charset="0"/>
-              </a:rPr>
-              <a:t>Module </a:t>
-            </a:r>
-            <a:r>
-              <a:rPr lang="en-US" b="1" dirty="0" smtClean="0">
-                <a:latin typeface="Times New Roman" pitchFamily="18" charset="0"/>
-                <a:cs typeface="Times New Roman" pitchFamily="18" charset="0"/>
-              </a:rPr>
-              <a:t>Import </a:t>
+              <a:t>(3) Module Import </a:t>
             </a:r>
             <a:r>
               <a:rPr lang="en-US" b="1" dirty="0" err="1" smtClean="0">
